--- a/documentation/DataStructureVisualization.pptx
+++ b/documentation/DataStructureVisualization.pptx
@@ -159,10 +159,9 @@
           </a:lstStyle>
           <a:p>
             <a:r>
-              <a:rPr lang="en-US" smtClean="0"/>
+              <a:rPr lang="en-US"/>
               <a:t>Click to edit Master title style</a:t>
             </a:r>
-            <a:endParaRPr lang="en-US"/>
           </a:p>
         </p:txBody>
       </p:sp>
@@ -224,10 +223,9 @@
           </a:lstStyle>
           <a:p>
             <a:r>
-              <a:rPr lang="en-US" smtClean="0"/>
+              <a:rPr lang="en-US"/>
               <a:t>Click to edit Master subtitle style</a:t>
             </a:r>
-            <a:endParaRPr lang="en-US"/>
           </a:p>
         </p:txBody>
       </p:sp>
@@ -248,7 +246,7 @@
           <a:p>
             <a:fld id="{F5484D7C-A76D-4439-917C-F78E6BA8F9E0}" type="datetimeFigureOut">
               <a:rPr lang="en-US" smtClean="0"/>
-              <a:t>3/21/2019</a:t>
+              <a:t>4/25/2019</a:t>
             </a:fld>
             <a:endParaRPr lang="en-US" dirty="0"/>
           </a:p>
@@ -342,10 +340,9 @@
           <a:lstStyle/>
           <a:p>
             <a:r>
-              <a:rPr lang="en-US" smtClean="0"/>
+              <a:rPr lang="en-US"/>
               <a:t>Click to edit Master title style</a:t>
             </a:r>
-            <a:endParaRPr lang="en-US"/>
           </a:p>
         </p:txBody>
       </p:sp>
@@ -366,38 +363,37 @@
           <a:p>
             <a:pPr lvl="0"/>
             <a:r>
-              <a:rPr lang="en-US" smtClean="0"/>
+              <a:rPr lang="en-US"/>
               <a:t>Click to edit Master text styles</a:t>
             </a:r>
           </a:p>
           <a:p>
             <a:pPr lvl="1"/>
             <a:r>
-              <a:rPr lang="en-US" smtClean="0"/>
+              <a:rPr lang="en-US"/>
               <a:t>Second level</a:t>
             </a:r>
           </a:p>
           <a:p>
             <a:pPr lvl="2"/>
             <a:r>
-              <a:rPr lang="en-US" smtClean="0"/>
+              <a:rPr lang="en-US"/>
               <a:t>Third level</a:t>
             </a:r>
           </a:p>
           <a:p>
             <a:pPr lvl="3"/>
             <a:r>
-              <a:rPr lang="en-US" smtClean="0"/>
+              <a:rPr lang="en-US"/>
               <a:t>Fourth level</a:t>
             </a:r>
           </a:p>
           <a:p>
             <a:pPr lvl="4"/>
             <a:r>
-              <a:rPr lang="en-US" smtClean="0"/>
+              <a:rPr lang="en-US"/>
               <a:t>Fifth level</a:t>
             </a:r>
-            <a:endParaRPr lang="en-US"/>
           </a:p>
         </p:txBody>
       </p:sp>
@@ -418,7 +414,7 @@
           <a:p>
             <a:fld id="{F5484D7C-A76D-4439-917C-F78E6BA8F9E0}" type="datetimeFigureOut">
               <a:rPr lang="en-US" smtClean="0"/>
-              <a:t>3/21/2019</a:t>
+              <a:t>4/25/2019</a:t>
             </a:fld>
             <a:endParaRPr lang="en-US" dirty="0"/>
           </a:p>
@@ -517,10 +513,9 @@
           <a:lstStyle/>
           <a:p>
             <a:r>
-              <a:rPr lang="en-US" smtClean="0"/>
+              <a:rPr lang="en-US"/>
               <a:t>Click to edit Master title style</a:t>
             </a:r>
-            <a:endParaRPr lang="en-US"/>
           </a:p>
         </p:txBody>
       </p:sp>
@@ -546,38 +541,37 @@
           <a:p>
             <a:pPr lvl="0"/>
             <a:r>
-              <a:rPr lang="en-US" smtClean="0"/>
+              <a:rPr lang="en-US"/>
               <a:t>Click to edit Master text styles</a:t>
             </a:r>
           </a:p>
           <a:p>
             <a:pPr lvl="1"/>
             <a:r>
-              <a:rPr lang="en-US" smtClean="0"/>
+              <a:rPr lang="en-US"/>
               <a:t>Second level</a:t>
             </a:r>
           </a:p>
           <a:p>
             <a:pPr lvl="2"/>
             <a:r>
-              <a:rPr lang="en-US" smtClean="0"/>
+              <a:rPr lang="en-US"/>
               <a:t>Third level</a:t>
             </a:r>
           </a:p>
           <a:p>
             <a:pPr lvl="3"/>
             <a:r>
-              <a:rPr lang="en-US" smtClean="0"/>
+              <a:rPr lang="en-US"/>
               <a:t>Fourth level</a:t>
             </a:r>
           </a:p>
           <a:p>
             <a:pPr lvl="4"/>
             <a:r>
-              <a:rPr lang="en-US" smtClean="0"/>
+              <a:rPr lang="en-US"/>
               <a:t>Fifth level</a:t>
             </a:r>
-            <a:endParaRPr lang="en-US"/>
           </a:p>
         </p:txBody>
       </p:sp>
@@ -598,7 +592,7 @@
           <a:p>
             <a:fld id="{F5484D7C-A76D-4439-917C-F78E6BA8F9E0}" type="datetimeFigureOut">
               <a:rPr lang="en-US" smtClean="0"/>
-              <a:t>3/21/2019</a:t>
+              <a:t>4/25/2019</a:t>
             </a:fld>
             <a:endParaRPr lang="en-US" dirty="0"/>
           </a:p>
@@ -692,10 +686,9 @@
           <a:lstStyle/>
           <a:p>
             <a:r>
-              <a:rPr lang="en-US" smtClean="0"/>
+              <a:rPr lang="en-US"/>
               <a:t>Click to edit Master title style</a:t>
             </a:r>
-            <a:endParaRPr lang="en-US"/>
           </a:p>
         </p:txBody>
       </p:sp>
@@ -716,38 +709,37 @@
           <a:p>
             <a:pPr lvl="0"/>
             <a:r>
-              <a:rPr lang="en-US" smtClean="0"/>
+              <a:rPr lang="en-US"/>
               <a:t>Click to edit Master text styles</a:t>
             </a:r>
           </a:p>
           <a:p>
             <a:pPr lvl="1"/>
             <a:r>
-              <a:rPr lang="en-US" smtClean="0"/>
+              <a:rPr lang="en-US"/>
               <a:t>Second level</a:t>
             </a:r>
           </a:p>
           <a:p>
             <a:pPr lvl="2"/>
             <a:r>
-              <a:rPr lang="en-US" smtClean="0"/>
+              <a:rPr lang="en-US"/>
               <a:t>Third level</a:t>
             </a:r>
           </a:p>
           <a:p>
             <a:pPr lvl="3"/>
             <a:r>
-              <a:rPr lang="en-US" smtClean="0"/>
+              <a:rPr lang="en-US"/>
               <a:t>Fourth level</a:t>
             </a:r>
           </a:p>
           <a:p>
             <a:pPr lvl="4"/>
             <a:r>
-              <a:rPr lang="en-US" smtClean="0"/>
+              <a:rPr lang="en-US"/>
               <a:t>Fifth level</a:t>
             </a:r>
-            <a:endParaRPr lang="en-US"/>
           </a:p>
         </p:txBody>
       </p:sp>
@@ -768,7 +760,7 @@
           <a:p>
             <a:fld id="{F5484D7C-A76D-4439-917C-F78E6BA8F9E0}" type="datetimeFigureOut">
               <a:rPr lang="en-US" smtClean="0"/>
-              <a:t>3/21/2019</a:t>
+              <a:t>4/25/2019</a:t>
             </a:fld>
             <a:endParaRPr lang="en-US" dirty="0"/>
           </a:p>
@@ -871,10 +863,9 @@
           </a:lstStyle>
           <a:p>
             <a:r>
-              <a:rPr lang="en-US" smtClean="0"/>
+              <a:rPr lang="en-US"/>
               <a:t>Click to edit Master title style</a:t>
             </a:r>
-            <a:endParaRPr lang="en-US"/>
           </a:p>
         </p:txBody>
       </p:sp>
@@ -991,7 +982,7 @@
           <a:p>
             <a:pPr lvl="0"/>
             <a:r>
-              <a:rPr lang="en-US" smtClean="0"/>
+              <a:rPr lang="en-US"/>
               <a:t>Click to edit Master text styles</a:t>
             </a:r>
           </a:p>
@@ -1014,7 +1005,7 @@
           <a:p>
             <a:fld id="{F5484D7C-A76D-4439-917C-F78E6BA8F9E0}" type="datetimeFigureOut">
               <a:rPr lang="en-US" smtClean="0"/>
-              <a:t>3/21/2019</a:t>
+              <a:t>4/25/2019</a:t>
             </a:fld>
             <a:endParaRPr lang="en-US" dirty="0"/>
           </a:p>
@@ -1108,10 +1099,9 @@
           <a:lstStyle/>
           <a:p>
             <a:r>
-              <a:rPr lang="en-US" smtClean="0"/>
+              <a:rPr lang="en-US"/>
               <a:t>Click to edit Master title style</a:t>
             </a:r>
-            <a:endParaRPr lang="en-US"/>
           </a:p>
         </p:txBody>
       </p:sp>
@@ -1137,38 +1127,37 @@
           <a:p>
             <a:pPr lvl="0"/>
             <a:r>
-              <a:rPr lang="en-US" smtClean="0"/>
+              <a:rPr lang="en-US"/>
               <a:t>Click to edit Master text styles</a:t>
             </a:r>
           </a:p>
           <a:p>
             <a:pPr lvl="1"/>
             <a:r>
-              <a:rPr lang="en-US" smtClean="0"/>
+              <a:rPr lang="en-US"/>
               <a:t>Second level</a:t>
             </a:r>
           </a:p>
           <a:p>
             <a:pPr lvl="2"/>
             <a:r>
-              <a:rPr lang="en-US" smtClean="0"/>
+              <a:rPr lang="en-US"/>
               <a:t>Third level</a:t>
             </a:r>
           </a:p>
           <a:p>
             <a:pPr lvl="3"/>
             <a:r>
-              <a:rPr lang="en-US" smtClean="0"/>
+              <a:rPr lang="en-US"/>
               <a:t>Fourth level</a:t>
             </a:r>
           </a:p>
           <a:p>
             <a:pPr lvl="4"/>
             <a:r>
-              <a:rPr lang="en-US" smtClean="0"/>
+              <a:rPr lang="en-US"/>
               <a:t>Fifth level</a:t>
             </a:r>
-            <a:endParaRPr lang="en-US"/>
           </a:p>
         </p:txBody>
       </p:sp>
@@ -1194,38 +1183,37 @@
           <a:p>
             <a:pPr lvl="0"/>
             <a:r>
-              <a:rPr lang="en-US" smtClean="0"/>
+              <a:rPr lang="en-US"/>
               <a:t>Click to edit Master text styles</a:t>
             </a:r>
           </a:p>
           <a:p>
             <a:pPr lvl="1"/>
             <a:r>
-              <a:rPr lang="en-US" smtClean="0"/>
+              <a:rPr lang="en-US"/>
               <a:t>Second level</a:t>
             </a:r>
           </a:p>
           <a:p>
             <a:pPr lvl="2"/>
             <a:r>
-              <a:rPr lang="en-US" smtClean="0"/>
+              <a:rPr lang="en-US"/>
               <a:t>Third level</a:t>
             </a:r>
           </a:p>
           <a:p>
             <a:pPr lvl="3"/>
             <a:r>
-              <a:rPr lang="en-US" smtClean="0"/>
+              <a:rPr lang="en-US"/>
               <a:t>Fourth level</a:t>
             </a:r>
           </a:p>
           <a:p>
             <a:pPr lvl="4"/>
             <a:r>
-              <a:rPr lang="en-US" smtClean="0"/>
+              <a:rPr lang="en-US"/>
               <a:t>Fifth level</a:t>
             </a:r>
-            <a:endParaRPr lang="en-US"/>
           </a:p>
         </p:txBody>
       </p:sp>
@@ -1246,7 +1234,7 @@
           <a:p>
             <a:fld id="{F5484D7C-A76D-4439-917C-F78E6BA8F9E0}" type="datetimeFigureOut">
               <a:rPr lang="en-US" smtClean="0"/>
-              <a:t>3/21/2019</a:t>
+              <a:t>4/25/2019</a:t>
             </a:fld>
             <a:endParaRPr lang="en-US" dirty="0"/>
           </a:p>
@@ -1345,10 +1333,9 @@
           <a:lstStyle/>
           <a:p>
             <a:r>
-              <a:rPr lang="en-US" smtClean="0"/>
+              <a:rPr lang="en-US"/>
               <a:t>Click to edit Master title style</a:t>
             </a:r>
-            <a:endParaRPr lang="en-US"/>
           </a:p>
         </p:txBody>
       </p:sp>
@@ -1411,7 +1398,7 @@
           <a:p>
             <a:pPr lvl="0"/>
             <a:r>
-              <a:rPr lang="en-US" smtClean="0"/>
+              <a:rPr lang="en-US"/>
               <a:t>Click to edit Master text styles</a:t>
             </a:r>
           </a:p>
@@ -1439,38 +1426,37 @@
           <a:p>
             <a:pPr lvl="0"/>
             <a:r>
-              <a:rPr lang="en-US" smtClean="0"/>
+              <a:rPr lang="en-US"/>
               <a:t>Click to edit Master text styles</a:t>
             </a:r>
           </a:p>
           <a:p>
             <a:pPr lvl="1"/>
             <a:r>
-              <a:rPr lang="en-US" smtClean="0"/>
+              <a:rPr lang="en-US"/>
               <a:t>Second level</a:t>
             </a:r>
           </a:p>
           <a:p>
             <a:pPr lvl="2"/>
             <a:r>
-              <a:rPr lang="en-US" smtClean="0"/>
+              <a:rPr lang="en-US"/>
               <a:t>Third level</a:t>
             </a:r>
           </a:p>
           <a:p>
             <a:pPr lvl="3"/>
             <a:r>
-              <a:rPr lang="en-US" smtClean="0"/>
+              <a:rPr lang="en-US"/>
               <a:t>Fourth level</a:t>
             </a:r>
           </a:p>
           <a:p>
             <a:pPr lvl="4"/>
             <a:r>
-              <a:rPr lang="en-US" smtClean="0"/>
+              <a:rPr lang="en-US"/>
               <a:t>Fifth level</a:t>
             </a:r>
-            <a:endParaRPr lang="en-US"/>
           </a:p>
         </p:txBody>
       </p:sp>
@@ -1533,7 +1519,7 @@
           <a:p>
             <a:pPr lvl="0"/>
             <a:r>
-              <a:rPr lang="en-US" smtClean="0"/>
+              <a:rPr lang="en-US"/>
               <a:t>Click to edit Master text styles</a:t>
             </a:r>
           </a:p>
@@ -1561,38 +1547,37 @@
           <a:p>
             <a:pPr lvl="0"/>
             <a:r>
-              <a:rPr lang="en-US" smtClean="0"/>
+              <a:rPr lang="en-US"/>
               <a:t>Click to edit Master text styles</a:t>
             </a:r>
           </a:p>
           <a:p>
             <a:pPr lvl="1"/>
             <a:r>
-              <a:rPr lang="en-US" smtClean="0"/>
+              <a:rPr lang="en-US"/>
               <a:t>Second level</a:t>
             </a:r>
           </a:p>
           <a:p>
             <a:pPr lvl="2"/>
             <a:r>
-              <a:rPr lang="en-US" smtClean="0"/>
+              <a:rPr lang="en-US"/>
               <a:t>Third level</a:t>
             </a:r>
           </a:p>
           <a:p>
             <a:pPr lvl="3"/>
             <a:r>
-              <a:rPr lang="en-US" smtClean="0"/>
+              <a:rPr lang="en-US"/>
               <a:t>Fourth level</a:t>
             </a:r>
           </a:p>
           <a:p>
             <a:pPr lvl="4"/>
             <a:r>
-              <a:rPr lang="en-US" smtClean="0"/>
+              <a:rPr lang="en-US"/>
               <a:t>Fifth level</a:t>
             </a:r>
-            <a:endParaRPr lang="en-US"/>
           </a:p>
         </p:txBody>
       </p:sp>
@@ -1613,7 +1598,7 @@
           <a:p>
             <a:fld id="{F5484D7C-A76D-4439-917C-F78E6BA8F9E0}" type="datetimeFigureOut">
               <a:rPr lang="en-US" smtClean="0"/>
-              <a:t>3/21/2019</a:t>
+              <a:t>4/25/2019</a:t>
             </a:fld>
             <a:endParaRPr lang="en-US" dirty="0"/>
           </a:p>
@@ -1707,10 +1692,9 @@
           <a:lstStyle/>
           <a:p>
             <a:r>
-              <a:rPr lang="en-US" smtClean="0"/>
+              <a:rPr lang="en-US"/>
               <a:t>Click to edit Master title style</a:t>
             </a:r>
-            <a:endParaRPr lang="en-US"/>
           </a:p>
         </p:txBody>
       </p:sp>
@@ -1731,7 +1715,7 @@
           <a:p>
             <a:fld id="{F5484D7C-A76D-4439-917C-F78E6BA8F9E0}" type="datetimeFigureOut">
               <a:rPr lang="en-US" smtClean="0"/>
-              <a:t>3/21/2019</a:t>
+              <a:t>4/25/2019</a:t>
             </a:fld>
             <a:endParaRPr lang="en-US" dirty="0"/>
           </a:p>
@@ -1826,7 +1810,7 @@
           <a:p>
             <a:fld id="{F5484D7C-A76D-4439-917C-F78E6BA8F9E0}" type="datetimeFigureOut">
               <a:rPr lang="en-US" smtClean="0"/>
-              <a:t>3/21/2019</a:t>
+              <a:t>4/25/2019</a:t>
             </a:fld>
             <a:endParaRPr lang="en-US" dirty="0"/>
           </a:p>
@@ -1929,10 +1913,9 @@
           </a:lstStyle>
           <a:p>
             <a:r>
-              <a:rPr lang="en-US" smtClean="0"/>
+              <a:rPr lang="en-US"/>
               <a:t>Click to edit Master title style</a:t>
             </a:r>
-            <a:endParaRPr lang="en-US"/>
           </a:p>
         </p:txBody>
       </p:sp>
@@ -1986,38 +1969,37 @@
           <a:p>
             <a:pPr lvl="0"/>
             <a:r>
-              <a:rPr lang="en-US" smtClean="0"/>
+              <a:rPr lang="en-US"/>
               <a:t>Click to edit Master text styles</a:t>
             </a:r>
           </a:p>
           <a:p>
             <a:pPr lvl="1"/>
             <a:r>
-              <a:rPr lang="en-US" smtClean="0"/>
+              <a:rPr lang="en-US"/>
               <a:t>Second level</a:t>
             </a:r>
           </a:p>
           <a:p>
             <a:pPr lvl="2"/>
             <a:r>
-              <a:rPr lang="en-US" smtClean="0"/>
+              <a:rPr lang="en-US"/>
               <a:t>Third level</a:t>
             </a:r>
           </a:p>
           <a:p>
             <a:pPr lvl="3"/>
             <a:r>
-              <a:rPr lang="en-US" smtClean="0"/>
+              <a:rPr lang="en-US"/>
               <a:t>Fourth level</a:t>
             </a:r>
           </a:p>
           <a:p>
             <a:pPr lvl="4"/>
             <a:r>
-              <a:rPr lang="en-US" smtClean="0"/>
+              <a:rPr lang="en-US"/>
               <a:t>Fifth level</a:t>
             </a:r>
-            <a:endParaRPr lang="en-US"/>
           </a:p>
         </p:txBody>
       </p:sp>
@@ -2080,7 +2062,7 @@
           <a:p>
             <a:pPr lvl="0"/>
             <a:r>
-              <a:rPr lang="en-US" smtClean="0"/>
+              <a:rPr lang="en-US"/>
               <a:t>Click to edit Master text styles</a:t>
             </a:r>
           </a:p>
@@ -2103,7 +2085,7 @@
           <a:p>
             <a:fld id="{F5484D7C-A76D-4439-917C-F78E6BA8F9E0}" type="datetimeFigureOut">
               <a:rPr lang="en-US" smtClean="0"/>
-              <a:t>3/21/2019</a:t>
+              <a:t>4/25/2019</a:t>
             </a:fld>
             <a:endParaRPr lang="en-US" dirty="0"/>
           </a:p>
@@ -2206,10 +2188,9 @@
           </a:lstStyle>
           <a:p>
             <a:r>
-              <a:rPr lang="en-US" smtClean="0"/>
+              <a:rPr lang="en-US"/>
               <a:t>Click to edit Master title style</a:t>
             </a:r>
-            <a:endParaRPr lang="en-US"/>
           </a:p>
         </p:txBody>
       </p:sp>
@@ -2333,7 +2314,7 @@
           <a:p>
             <a:pPr lvl="0"/>
             <a:r>
-              <a:rPr lang="en-US" smtClean="0"/>
+              <a:rPr lang="en-US"/>
               <a:t>Click to edit Master text styles</a:t>
             </a:r>
           </a:p>
@@ -2356,7 +2337,7 @@
           <a:p>
             <a:fld id="{F5484D7C-A76D-4439-917C-F78E6BA8F9E0}" type="datetimeFigureOut">
               <a:rPr lang="en-US" smtClean="0"/>
-              <a:t>3/21/2019</a:t>
+              <a:t>4/25/2019</a:t>
             </a:fld>
             <a:endParaRPr lang="en-US" dirty="0"/>
           </a:p>
@@ -2465,10 +2446,9 @@
           <a:lstStyle/>
           <a:p>
             <a:r>
-              <a:rPr lang="en-US" smtClean="0"/>
+              <a:rPr lang="en-US"/>
               <a:t>Click to edit Master title style</a:t>
             </a:r>
-            <a:endParaRPr lang="en-US"/>
           </a:p>
         </p:txBody>
       </p:sp>
@@ -2499,38 +2479,37 @@
           <a:p>
             <a:pPr lvl="0"/>
             <a:r>
-              <a:rPr lang="en-US" smtClean="0"/>
+              <a:rPr lang="en-US"/>
               <a:t>Click to edit Master text styles</a:t>
             </a:r>
           </a:p>
           <a:p>
             <a:pPr lvl="1"/>
             <a:r>
-              <a:rPr lang="en-US" smtClean="0"/>
+              <a:rPr lang="en-US"/>
               <a:t>Second level</a:t>
             </a:r>
           </a:p>
           <a:p>
             <a:pPr lvl="2"/>
             <a:r>
-              <a:rPr lang="en-US" smtClean="0"/>
+              <a:rPr lang="en-US"/>
               <a:t>Third level</a:t>
             </a:r>
           </a:p>
           <a:p>
             <a:pPr lvl="3"/>
             <a:r>
-              <a:rPr lang="en-US" smtClean="0"/>
+              <a:rPr lang="en-US"/>
               <a:t>Fourth level</a:t>
             </a:r>
           </a:p>
           <a:p>
             <a:pPr lvl="4"/>
             <a:r>
-              <a:rPr lang="en-US" smtClean="0"/>
+              <a:rPr lang="en-US"/>
               <a:t>Fifth level</a:t>
             </a:r>
-            <a:endParaRPr lang="en-US"/>
           </a:p>
         </p:txBody>
       </p:sp>
@@ -2569,7 +2548,7 @@
           <a:p>
             <a:fld id="{F5484D7C-A76D-4439-917C-F78E6BA8F9E0}" type="datetimeFigureOut">
               <a:rPr lang="en-US" smtClean="0"/>
-              <a:t>3/21/2019</a:t>
+              <a:t>4/25/2019</a:t>
             </a:fld>
             <a:endParaRPr lang="en-US" dirty="0"/>
           </a:p>
@@ -2997,7 +2976,7 @@
           <a:lstStyle/>
           <a:p>
             <a:r>
-              <a:rPr lang="en-US" sz="2000" b="1" dirty="0" err="1" smtClean="0">
+              <a:rPr lang="en-US" sz="2000" b="1" dirty="0" err="1">
                 <a:solidFill>
                   <a:schemeClr val="tx2"/>
                 </a:solidFill>
@@ -3005,7 +2984,7 @@
               <a:t>NextFlow</a:t>
             </a:r>
             <a:r>
-              <a:rPr lang="en-US" sz="2000" b="1" dirty="0" smtClean="0">
+              <a:rPr lang="en-US" sz="2000" b="1" dirty="0">
                 <a:solidFill>
                   <a:schemeClr val="tx2"/>
                 </a:solidFill>
@@ -3139,27 +3118,7 @@
                   <a:latin typeface="Consolas" panose="020B0609020204030204" pitchFamily="49" charset="0"/>
                   <a:cs typeface="Consolas" panose="020B0609020204030204" pitchFamily="49" charset="0"/>
                 </a:rPr>
-                <a:t> 	</a:t>
-              </a:r>
-              <a:r>
-                <a:rPr lang="en-US" sz="1000" dirty="0" smtClean="0">
-                  <a:solidFill>
-                    <a:schemeClr val="tx1"/>
-                  </a:solidFill>
-                  <a:latin typeface="Consolas" panose="020B0609020204030204" pitchFamily="49" charset="0"/>
-                  <a:cs typeface="Consolas" panose="020B0609020204030204" pitchFamily="49" charset="0"/>
-                </a:rPr>
-                <a:t>[</a:t>
-              </a:r>
-              <a:r>
-                <a:rPr lang="en-US" sz="1000" dirty="0">
-                  <a:solidFill>
-                    <a:schemeClr val="tx1"/>
-                  </a:solidFill>
-                  <a:latin typeface="Consolas" panose="020B0609020204030204" pitchFamily="49" charset="0"/>
-                  <a:cs typeface="Consolas" panose="020B0609020204030204" pitchFamily="49" charset="0"/>
-                </a:rPr>
-                <a:t>string, e.g. ‘06025500’]</a:t>
+                <a:t> 	[string, e.g. ‘06025500’]</a:t>
               </a:r>
             </a:p>
             <a:p>
@@ -3203,27 +3162,7 @@
                   <a:latin typeface="Consolas" panose="020B0609020204030204" pitchFamily="49" charset="0"/>
                   <a:cs typeface="Consolas" panose="020B0609020204030204" pitchFamily="49" charset="0"/>
                 </a:rPr>
-                <a:t> 	</a:t>
-              </a:r>
-              <a:r>
-                <a:rPr lang="en-US" sz="1000" dirty="0" smtClean="0">
-                  <a:solidFill>
-                    <a:schemeClr val="tx1"/>
-                  </a:solidFill>
-                  <a:latin typeface="Consolas" panose="020B0609020204030204" pitchFamily="49" charset="0"/>
-                  <a:cs typeface="Consolas" panose="020B0609020204030204" pitchFamily="49" charset="0"/>
-                </a:rPr>
-                <a:t>[</a:t>
-              </a:r>
-              <a:r>
-                <a:rPr lang="en-US" sz="1000" dirty="0">
-                  <a:solidFill>
-                    <a:schemeClr val="tx1"/>
-                  </a:solidFill>
-                  <a:latin typeface="Consolas" panose="020B0609020204030204" pitchFamily="49" charset="0"/>
-                  <a:cs typeface="Consolas" panose="020B0609020204030204" pitchFamily="49" charset="0"/>
-                </a:rPr>
-                <a:t>string, e.g. ‘USGS’]</a:t>
+                <a:t> 	[string, e.g. ‘USGS’]</a:t>
               </a:r>
             </a:p>
             <a:p>
@@ -3245,27 +3184,7 @@
                   <a:latin typeface="Consolas" panose="020B0609020204030204" pitchFamily="49" charset="0"/>
                   <a:cs typeface="Consolas" panose="020B0609020204030204" pitchFamily="49" charset="0"/>
                 </a:rPr>
-                <a:t> 	</a:t>
-              </a:r>
-              <a:r>
-                <a:rPr lang="en-US" sz="1000" dirty="0" smtClean="0">
-                  <a:solidFill>
-                    <a:schemeClr val="tx1"/>
-                  </a:solidFill>
-                  <a:latin typeface="Consolas" panose="020B0609020204030204" pitchFamily="49" charset="0"/>
-                  <a:cs typeface="Consolas" panose="020B0609020204030204" pitchFamily="49" charset="0"/>
-                </a:rPr>
-                <a:t>[</a:t>
-              </a:r>
-              <a:r>
-                <a:rPr lang="en-US" sz="1000" dirty="0">
-                  <a:solidFill>
-                    <a:schemeClr val="tx1"/>
-                  </a:solidFill>
-                  <a:latin typeface="Consolas" panose="020B0609020204030204" pitchFamily="49" charset="0"/>
-                  <a:cs typeface="Consolas" panose="020B0609020204030204" pitchFamily="49" charset="0"/>
-                </a:rPr>
-                <a:t>string, e.g. ‘Streamflow’]</a:t>
+                <a:t> 	[string, e.g. ‘Streamflow’]</a:t>
               </a:r>
             </a:p>
             <a:p>
@@ -3331,27 +3250,7 @@
                   <a:latin typeface="Consolas" panose="020B0609020204030204" pitchFamily="49" charset="0"/>
                   <a:cs typeface="Consolas" panose="020B0609020204030204" pitchFamily="49" charset="0"/>
                 </a:rPr>
-                <a:t> 	</a:t>
-              </a:r>
-              <a:r>
-                <a:rPr lang="en-US" sz="1000" dirty="0" smtClean="0">
-                  <a:solidFill>
-                    <a:schemeClr val="tx1"/>
-                  </a:solidFill>
-                  <a:latin typeface="Consolas" panose="020B0609020204030204" pitchFamily="49" charset="0"/>
-                  <a:cs typeface="Consolas" panose="020B0609020204030204" pitchFamily="49" charset="0"/>
-                </a:rPr>
-                <a:t>[</a:t>
-              </a:r>
-              <a:r>
-                <a:rPr lang="en-US" sz="1000" dirty="0">
-                  <a:solidFill>
-                    <a:schemeClr val="tx1"/>
-                  </a:solidFill>
-                  <a:latin typeface="Consolas" panose="020B0609020204030204" pitchFamily="49" charset="0"/>
-                  <a:cs typeface="Consolas" panose="020B0609020204030204" pitchFamily="49" charset="0"/>
-                </a:rPr>
-                <a:t>string, e.g. ‘USGS_NWIS’]</a:t>
+                <a:t> 	[string, e.g. ‘USGS_NWIS’]</a:t>
               </a:r>
             </a:p>
             <a:p>
@@ -3395,27 +3294,7 @@
                   <a:latin typeface="Consolas" panose="020B0609020204030204" pitchFamily="49" charset="0"/>
                   <a:cs typeface="Consolas" panose="020B0609020204030204" pitchFamily="49" charset="0"/>
                 </a:rPr>
-                <a:t> 	</a:t>
-              </a:r>
-              <a:r>
-                <a:rPr lang="en-US" sz="1000" dirty="0" smtClean="0">
-                  <a:solidFill>
-                    <a:schemeClr val="tx1"/>
-                  </a:solidFill>
-                  <a:latin typeface="Consolas" panose="020B0609020204030204" pitchFamily="49" charset="0"/>
-                  <a:cs typeface="Consolas" panose="020B0609020204030204" pitchFamily="49" charset="0"/>
-                </a:rPr>
-                <a:t>[</a:t>
-              </a:r>
-              <a:r>
-                <a:rPr lang="en-US" sz="1000" dirty="0">
-                  <a:solidFill>
-                    <a:schemeClr val="tx1"/>
-                  </a:solidFill>
-                  <a:latin typeface="Consolas" panose="020B0609020204030204" pitchFamily="49" charset="0"/>
-                  <a:cs typeface="Consolas" panose="020B0609020204030204" pitchFamily="49" charset="0"/>
-                </a:rPr>
-                <a:t>float, e.g. 41.1142]</a:t>
+                <a:t> 	[float, e.g. 41.1142]</a:t>
               </a:r>
             </a:p>
             <a:p>
@@ -3437,27 +3316,7 @@
                   <a:latin typeface="Consolas" panose="020B0609020204030204" pitchFamily="49" charset="0"/>
                   <a:cs typeface="Consolas" panose="020B0609020204030204" pitchFamily="49" charset="0"/>
                 </a:rPr>
-                <a:t> 	</a:t>
-              </a:r>
-              <a:r>
-                <a:rPr lang="en-US" sz="1000" dirty="0" smtClean="0">
-                  <a:solidFill>
-                    <a:schemeClr val="tx1"/>
-                  </a:solidFill>
-                  <a:latin typeface="Consolas" panose="020B0609020204030204" pitchFamily="49" charset="0"/>
-                  <a:cs typeface="Consolas" panose="020B0609020204030204" pitchFamily="49" charset="0"/>
-                </a:rPr>
-                <a:t>[</a:t>
-              </a:r>
-              <a:r>
-                <a:rPr lang="en-US" sz="1000" dirty="0">
-                  <a:solidFill>
-                    <a:schemeClr val="tx1"/>
-                  </a:solidFill>
-                  <a:latin typeface="Consolas" panose="020B0609020204030204" pitchFamily="49" charset="0"/>
-                  <a:cs typeface="Consolas" panose="020B0609020204030204" pitchFamily="49" charset="0"/>
-                </a:rPr>
-                <a:t>float, e.g. -112.324]</a:t>
+                <a:t> 	[float, e.g. -112.324]</a:t>
               </a:r>
             </a:p>
             <a:p>
@@ -3479,27 +3338,7 @@
                   <a:latin typeface="Consolas" panose="020B0609020204030204" pitchFamily="49" charset="0"/>
                   <a:cs typeface="Consolas" panose="020B0609020204030204" pitchFamily="49" charset="0"/>
                 </a:rPr>
-                <a:t> 	</a:t>
-              </a:r>
-              <a:r>
-                <a:rPr lang="en-US" sz="1000" dirty="0" smtClean="0">
-                  <a:solidFill>
-                    <a:schemeClr val="tx1"/>
-                  </a:solidFill>
-                  <a:latin typeface="Consolas" panose="020B0609020204030204" pitchFamily="49" charset="0"/>
-                  <a:cs typeface="Consolas" panose="020B0609020204030204" pitchFamily="49" charset="0"/>
-                </a:rPr>
-                <a:t>[</a:t>
-              </a:r>
-              <a:r>
-                <a:rPr lang="en-US" sz="1000" dirty="0">
-                  <a:solidFill>
-                    <a:schemeClr val="tx1"/>
-                  </a:solidFill>
-                  <a:latin typeface="Consolas" panose="020B0609020204030204" pitchFamily="49" charset="0"/>
-                  <a:cs typeface="Consolas" panose="020B0609020204030204" pitchFamily="49" charset="0"/>
-                </a:rPr>
-                <a:t>float, e.g. 1923.2]</a:t>
+                <a:t> 	[float, e.g. 1923.2]</a:t>
               </a:r>
             </a:p>
             <a:p>
@@ -3521,27 +3360,7 @@
                   <a:latin typeface="Consolas" panose="020B0609020204030204" pitchFamily="49" charset="0"/>
                   <a:cs typeface="Consolas" panose="020B0609020204030204" pitchFamily="49" charset="0"/>
                 </a:rPr>
-                <a:t> 	</a:t>
-              </a:r>
-              <a:r>
-                <a:rPr lang="en-US" sz="1000" dirty="0" smtClean="0">
-                  <a:solidFill>
-                    <a:schemeClr val="tx1"/>
-                  </a:solidFill>
-                  <a:latin typeface="Consolas" panose="020B0609020204030204" pitchFamily="49" charset="0"/>
-                  <a:cs typeface="Consolas" panose="020B0609020204030204" pitchFamily="49" charset="0"/>
-                </a:rPr>
-                <a:t>[</a:t>
-              </a:r>
-              <a:r>
-                <a:rPr lang="en-US" sz="1000" dirty="0">
-                  <a:solidFill>
-                    <a:schemeClr val="tx1"/>
-                  </a:solidFill>
-                  <a:latin typeface="Consolas" panose="020B0609020204030204" pitchFamily="49" charset="0"/>
-                  <a:cs typeface="Consolas" panose="020B0609020204030204" pitchFamily="49" charset="0"/>
-                </a:rPr>
-                <a:t>datetime64, e.g. ‘2018-01-01’]</a:t>
+                <a:t> 	[datetime64, e.g. ‘2018-01-01’]</a:t>
               </a:r>
             </a:p>
             <a:p>
@@ -3563,27 +3382,7 @@
                   <a:latin typeface="Consolas" panose="020B0609020204030204" pitchFamily="49" charset="0"/>
                   <a:cs typeface="Consolas" panose="020B0609020204030204" pitchFamily="49" charset="0"/>
                 </a:rPr>
-                <a:t> 	</a:t>
-              </a:r>
-              <a:r>
-                <a:rPr lang="en-US" sz="1000" dirty="0" smtClean="0">
-                  <a:solidFill>
-                    <a:schemeClr val="tx1"/>
-                  </a:solidFill>
-                  <a:latin typeface="Consolas" panose="020B0609020204030204" pitchFamily="49" charset="0"/>
-                  <a:cs typeface="Consolas" panose="020B0609020204030204" pitchFamily="49" charset="0"/>
-                </a:rPr>
-                <a:t>[</a:t>
-              </a:r>
-              <a:r>
-                <a:rPr lang="en-US" sz="1000" dirty="0">
-                  <a:solidFill>
-                    <a:schemeClr val="tx1"/>
-                  </a:solidFill>
-                  <a:latin typeface="Consolas" panose="020B0609020204030204" pitchFamily="49" charset="0"/>
-                  <a:cs typeface="Consolas" panose="020B0609020204030204" pitchFamily="49" charset="0"/>
-                </a:rPr>
-                <a:t>datetime64, e.g. ‘2019-01-01’]</a:t>
+                <a:t> 	[datetime64, e.g. ‘2019-01-01’]</a:t>
               </a:r>
             </a:p>
             <a:p>
@@ -3605,27 +3404,7 @@
                   <a:latin typeface="Consolas" panose="020B0609020204030204" pitchFamily="49" charset="0"/>
                   <a:cs typeface="Consolas" panose="020B0609020204030204" pitchFamily="49" charset="0"/>
                 </a:rPr>
-                <a:t> </a:t>
-              </a:r>
-              <a:r>
-                <a:rPr lang="en-US" sz="1000" dirty="0" smtClean="0">
-                  <a:solidFill>
-                    <a:schemeClr val="tx1"/>
-                  </a:solidFill>
-                  <a:latin typeface="Consolas" panose="020B0609020204030204" pitchFamily="49" charset="0"/>
-                  <a:cs typeface="Consolas" panose="020B0609020204030204" pitchFamily="49" charset="0"/>
-                </a:rPr>
-                <a:t>	[</a:t>
-              </a:r>
-              <a:r>
-                <a:rPr lang="en-US" sz="1000" dirty="0">
-                  <a:solidFill>
-                    <a:schemeClr val="tx1"/>
-                  </a:solidFill>
-                  <a:latin typeface="Consolas" panose="020B0609020204030204" pitchFamily="49" charset="0"/>
-                  <a:cs typeface="Consolas" panose="020B0609020204030204" pitchFamily="49" charset="0"/>
-                </a:rPr>
-                <a:t>dict, e.g. {‘svr’:’ecao’}]</a:t>
+                <a:t> 	[dict, e.g. {‘svr’:’ecao’}]</a:t>
               </a:r>
             </a:p>
             <a:p>
@@ -3749,15 +3528,15 @@
           <a:lstStyle/>
           <a:p>
             <a:r>
-              <a:rPr lang="en-US" dirty="0" smtClean="0"/>
+              <a:rPr lang="en-US" dirty="0"/>
               <a:t>User identifies datasets on datasets tab. Datasets are stored in </a:t>
             </a:r>
             <a:r>
-              <a:rPr lang="en-US" dirty="0" err="1" smtClean="0"/>
+              <a:rPr lang="en-US" dirty="0" err="1"/>
               <a:t>datasetTable</a:t>
             </a:r>
             <a:r>
-              <a:rPr lang="en-US" dirty="0" smtClean="0"/>
+              <a:rPr lang="en-US" dirty="0"/>
               <a:t>.</a:t>
             </a:r>
           </a:p>
@@ -3816,7 +3595,7 @@
           <a:lstStyle/>
           <a:p>
             <a:r>
-              <a:rPr lang="en-US" sz="2000" b="1" dirty="0" err="1" smtClean="0">
+              <a:rPr lang="en-US" sz="2000" b="1" dirty="0" err="1">
                 <a:solidFill>
                   <a:schemeClr val="tx2"/>
                 </a:solidFill>
@@ -3824,7 +3603,7 @@
               <a:t>NextFlow</a:t>
             </a:r>
             <a:r>
-              <a:rPr lang="en-US" sz="2000" b="1" dirty="0" smtClean="0">
+              <a:rPr lang="en-US" sz="2000" b="1" dirty="0">
                 <a:solidFill>
                   <a:schemeClr val="tx2"/>
                 </a:solidFill>
@@ -3958,27 +3737,7 @@
                   <a:latin typeface="Consolas" panose="020B0609020204030204" pitchFamily="49" charset="0"/>
                   <a:cs typeface="Consolas" panose="020B0609020204030204" pitchFamily="49" charset="0"/>
                 </a:rPr>
-                <a:t> 	</a:t>
-              </a:r>
-              <a:r>
-                <a:rPr lang="en-US" sz="1000" dirty="0" smtClean="0">
-                  <a:solidFill>
-                    <a:schemeClr val="tx1"/>
-                  </a:solidFill>
-                  <a:latin typeface="Consolas" panose="020B0609020204030204" pitchFamily="49" charset="0"/>
-                  <a:cs typeface="Consolas" panose="020B0609020204030204" pitchFamily="49" charset="0"/>
-                </a:rPr>
-                <a:t>[</a:t>
-              </a:r>
-              <a:r>
-                <a:rPr lang="en-US" sz="1000" dirty="0">
-                  <a:solidFill>
-                    <a:schemeClr val="tx1"/>
-                  </a:solidFill>
-                  <a:latin typeface="Consolas" panose="020B0609020204030204" pitchFamily="49" charset="0"/>
-                  <a:cs typeface="Consolas" panose="020B0609020204030204" pitchFamily="49" charset="0"/>
-                </a:rPr>
-                <a:t>string, e.g. ‘06025500’]</a:t>
+                <a:t> 	[string, e.g. ‘06025500’]</a:t>
               </a:r>
             </a:p>
             <a:p>
@@ -4022,27 +3781,7 @@
                   <a:latin typeface="Consolas" panose="020B0609020204030204" pitchFamily="49" charset="0"/>
                   <a:cs typeface="Consolas" panose="020B0609020204030204" pitchFamily="49" charset="0"/>
                 </a:rPr>
-                <a:t> 	</a:t>
-              </a:r>
-              <a:r>
-                <a:rPr lang="en-US" sz="1000" dirty="0" smtClean="0">
-                  <a:solidFill>
-                    <a:schemeClr val="tx1"/>
-                  </a:solidFill>
-                  <a:latin typeface="Consolas" panose="020B0609020204030204" pitchFamily="49" charset="0"/>
-                  <a:cs typeface="Consolas" panose="020B0609020204030204" pitchFamily="49" charset="0"/>
-                </a:rPr>
-                <a:t>[</a:t>
-              </a:r>
-              <a:r>
-                <a:rPr lang="en-US" sz="1000" dirty="0">
-                  <a:solidFill>
-                    <a:schemeClr val="tx1"/>
-                  </a:solidFill>
-                  <a:latin typeface="Consolas" panose="020B0609020204030204" pitchFamily="49" charset="0"/>
-                  <a:cs typeface="Consolas" panose="020B0609020204030204" pitchFamily="49" charset="0"/>
-                </a:rPr>
-                <a:t>string, e.g. ‘USGS’]</a:t>
+                <a:t> 	[string, e.g. ‘USGS’]</a:t>
               </a:r>
             </a:p>
             <a:p>
@@ -4064,27 +3803,7 @@
                   <a:latin typeface="Consolas" panose="020B0609020204030204" pitchFamily="49" charset="0"/>
                   <a:cs typeface="Consolas" panose="020B0609020204030204" pitchFamily="49" charset="0"/>
                 </a:rPr>
-                <a:t> 	</a:t>
-              </a:r>
-              <a:r>
-                <a:rPr lang="en-US" sz="1000" dirty="0" smtClean="0">
-                  <a:solidFill>
-                    <a:schemeClr val="tx1"/>
-                  </a:solidFill>
-                  <a:latin typeface="Consolas" panose="020B0609020204030204" pitchFamily="49" charset="0"/>
-                  <a:cs typeface="Consolas" panose="020B0609020204030204" pitchFamily="49" charset="0"/>
-                </a:rPr>
-                <a:t>[</a:t>
-              </a:r>
-              <a:r>
-                <a:rPr lang="en-US" sz="1000" dirty="0">
-                  <a:solidFill>
-                    <a:schemeClr val="tx1"/>
-                  </a:solidFill>
-                  <a:latin typeface="Consolas" panose="020B0609020204030204" pitchFamily="49" charset="0"/>
-                  <a:cs typeface="Consolas" panose="020B0609020204030204" pitchFamily="49" charset="0"/>
-                </a:rPr>
-                <a:t>string, e.g. ‘Streamflow’]</a:t>
+                <a:t> 	[string, e.g. ‘Streamflow’]</a:t>
               </a:r>
             </a:p>
             <a:p>
@@ -4150,27 +3869,7 @@
                   <a:latin typeface="Consolas" panose="020B0609020204030204" pitchFamily="49" charset="0"/>
                   <a:cs typeface="Consolas" panose="020B0609020204030204" pitchFamily="49" charset="0"/>
                 </a:rPr>
-                <a:t> 	</a:t>
-              </a:r>
-              <a:r>
-                <a:rPr lang="en-US" sz="1000" dirty="0" smtClean="0">
-                  <a:solidFill>
-                    <a:schemeClr val="tx1"/>
-                  </a:solidFill>
-                  <a:latin typeface="Consolas" panose="020B0609020204030204" pitchFamily="49" charset="0"/>
-                  <a:cs typeface="Consolas" panose="020B0609020204030204" pitchFamily="49" charset="0"/>
-                </a:rPr>
-                <a:t>[</a:t>
-              </a:r>
-              <a:r>
-                <a:rPr lang="en-US" sz="1000" dirty="0">
-                  <a:solidFill>
-                    <a:schemeClr val="tx1"/>
-                  </a:solidFill>
-                  <a:latin typeface="Consolas" panose="020B0609020204030204" pitchFamily="49" charset="0"/>
-                  <a:cs typeface="Consolas" panose="020B0609020204030204" pitchFamily="49" charset="0"/>
-                </a:rPr>
-                <a:t>string, e.g. ‘USGS_NWIS’]</a:t>
+                <a:t> 	[string, e.g. ‘USGS_NWIS’]</a:t>
               </a:r>
             </a:p>
             <a:p>
@@ -4214,27 +3913,7 @@
                   <a:latin typeface="Consolas" panose="020B0609020204030204" pitchFamily="49" charset="0"/>
                   <a:cs typeface="Consolas" panose="020B0609020204030204" pitchFamily="49" charset="0"/>
                 </a:rPr>
-                <a:t> 	</a:t>
-              </a:r>
-              <a:r>
-                <a:rPr lang="en-US" sz="1000" dirty="0" smtClean="0">
-                  <a:solidFill>
-                    <a:schemeClr val="tx1"/>
-                  </a:solidFill>
-                  <a:latin typeface="Consolas" panose="020B0609020204030204" pitchFamily="49" charset="0"/>
-                  <a:cs typeface="Consolas" panose="020B0609020204030204" pitchFamily="49" charset="0"/>
-                </a:rPr>
-                <a:t>[</a:t>
-              </a:r>
-              <a:r>
-                <a:rPr lang="en-US" sz="1000" dirty="0">
-                  <a:solidFill>
-                    <a:schemeClr val="tx1"/>
-                  </a:solidFill>
-                  <a:latin typeface="Consolas" panose="020B0609020204030204" pitchFamily="49" charset="0"/>
-                  <a:cs typeface="Consolas" panose="020B0609020204030204" pitchFamily="49" charset="0"/>
-                </a:rPr>
-                <a:t>float, e.g. 41.1142]</a:t>
+                <a:t> 	[float, e.g. 41.1142]</a:t>
               </a:r>
             </a:p>
             <a:p>
@@ -4256,27 +3935,7 @@
                   <a:latin typeface="Consolas" panose="020B0609020204030204" pitchFamily="49" charset="0"/>
                   <a:cs typeface="Consolas" panose="020B0609020204030204" pitchFamily="49" charset="0"/>
                 </a:rPr>
-                <a:t> 	</a:t>
-              </a:r>
-              <a:r>
-                <a:rPr lang="en-US" sz="1000" dirty="0" smtClean="0">
-                  <a:solidFill>
-                    <a:schemeClr val="tx1"/>
-                  </a:solidFill>
-                  <a:latin typeface="Consolas" panose="020B0609020204030204" pitchFamily="49" charset="0"/>
-                  <a:cs typeface="Consolas" panose="020B0609020204030204" pitchFamily="49" charset="0"/>
-                </a:rPr>
-                <a:t>[</a:t>
-              </a:r>
-              <a:r>
-                <a:rPr lang="en-US" sz="1000" dirty="0">
-                  <a:solidFill>
-                    <a:schemeClr val="tx1"/>
-                  </a:solidFill>
-                  <a:latin typeface="Consolas" panose="020B0609020204030204" pitchFamily="49" charset="0"/>
-                  <a:cs typeface="Consolas" panose="020B0609020204030204" pitchFamily="49" charset="0"/>
-                </a:rPr>
-                <a:t>float, e.g. -112.324]</a:t>
+                <a:t> 	[float, e.g. -112.324]</a:t>
               </a:r>
             </a:p>
             <a:p>
@@ -4298,27 +3957,7 @@
                   <a:latin typeface="Consolas" panose="020B0609020204030204" pitchFamily="49" charset="0"/>
                   <a:cs typeface="Consolas" panose="020B0609020204030204" pitchFamily="49" charset="0"/>
                 </a:rPr>
-                <a:t> 	</a:t>
-              </a:r>
-              <a:r>
-                <a:rPr lang="en-US" sz="1000" dirty="0" smtClean="0">
-                  <a:solidFill>
-                    <a:schemeClr val="tx1"/>
-                  </a:solidFill>
-                  <a:latin typeface="Consolas" panose="020B0609020204030204" pitchFamily="49" charset="0"/>
-                  <a:cs typeface="Consolas" panose="020B0609020204030204" pitchFamily="49" charset="0"/>
-                </a:rPr>
-                <a:t>[</a:t>
-              </a:r>
-              <a:r>
-                <a:rPr lang="en-US" sz="1000" dirty="0">
-                  <a:solidFill>
-                    <a:schemeClr val="tx1"/>
-                  </a:solidFill>
-                  <a:latin typeface="Consolas" panose="020B0609020204030204" pitchFamily="49" charset="0"/>
-                  <a:cs typeface="Consolas" panose="020B0609020204030204" pitchFamily="49" charset="0"/>
-                </a:rPr>
-                <a:t>float, e.g. 1923.2]</a:t>
+                <a:t> 	[float, e.g. 1923.2]</a:t>
               </a:r>
             </a:p>
             <a:p>
@@ -4340,27 +3979,7 @@
                   <a:latin typeface="Consolas" panose="020B0609020204030204" pitchFamily="49" charset="0"/>
                   <a:cs typeface="Consolas" panose="020B0609020204030204" pitchFamily="49" charset="0"/>
                 </a:rPr>
-                <a:t> 	</a:t>
-              </a:r>
-              <a:r>
-                <a:rPr lang="en-US" sz="1000" dirty="0" smtClean="0">
-                  <a:solidFill>
-                    <a:schemeClr val="tx1"/>
-                  </a:solidFill>
-                  <a:latin typeface="Consolas" panose="020B0609020204030204" pitchFamily="49" charset="0"/>
-                  <a:cs typeface="Consolas" panose="020B0609020204030204" pitchFamily="49" charset="0"/>
-                </a:rPr>
-                <a:t>[</a:t>
-              </a:r>
-              <a:r>
-                <a:rPr lang="en-US" sz="1000" dirty="0">
-                  <a:solidFill>
-                    <a:schemeClr val="tx1"/>
-                  </a:solidFill>
-                  <a:latin typeface="Consolas" panose="020B0609020204030204" pitchFamily="49" charset="0"/>
-                  <a:cs typeface="Consolas" panose="020B0609020204030204" pitchFamily="49" charset="0"/>
-                </a:rPr>
-                <a:t>datetime64, e.g. ‘2018-01-01’]</a:t>
+                <a:t> 	[datetime64, e.g. ‘2018-01-01’]</a:t>
               </a:r>
             </a:p>
             <a:p>
@@ -4382,27 +4001,7 @@
                   <a:latin typeface="Consolas" panose="020B0609020204030204" pitchFamily="49" charset="0"/>
                   <a:cs typeface="Consolas" panose="020B0609020204030204" pitchFamily="49" charset="0"/>
                 </a:rPr>
-                <a:t> 	</a:t>
-              </a:r>
-              <a:r>
-                <a:rPr lang="en-US" sz="1000" dirty="0" smtClean="0">
-                  <a:solidFill>
-                    <a:schemeClr val="tx1"/>
-                  </a:solidFill>
-                  <a:latin typeface="Consolas" panose="020B0609020204030204" pitchFamily="49" charset="0"/>
-                  <a:cs typeface="Consolas" panose="020B0609020204030204" pitchFamily="49" charset="0"/>
-                </a:rPr>
-                <a:t>[</a:t>
-              </a:r>
-              <a:r>
-                <a:rPr lang="en-US" sz="1000" dirty="0">
-                  <a:solidFill>
-                    <a:schemeClr val="tx1"/>
-                  </a:solidFill>
-                  <a:latin typeface="Consolas" panose="020B0609020204030204" pitchFamily="49" charset="0"/>
-                  <a:cs typeface="Consolas" panose="020B0609020204030204" pitchFamily="49" charset="0"/>
-                </a:rPr>
-                <a:t>datetime64, e.g. ‘2019-01-01’]</a:t>
+                <a:t> 	[datetime64, e.g. ‘2019-01-01’]</a:t>
               </a:r>
             </a:p>
             <a:p>
@@ -4424,27 +4023,7 @@
                   <a:latin typeface="Consolas" panose="020B0609020204030204" pitchFamily="49" charset="0"/>
                   <a:cs typeface="Consolas" panose="020B0609020204030204" pitchFamily="49" charset="0"/>
                 </a:rPr>
-                <a:t> </a:t>
-              </a:r>
-              <a:r>
-                <a:rPr lang="en-US" sz="1000" dirty="0" smtClean="0">
-                  <a:solidFill>
-                    <a:schemeClr val="tx1"/>
-                  </a:solidFill>
-                  <a:latin typeface="Consolas" panose="020B0609020204030204" pitchFamily="49" charset="0"/>
-                  <a:cs typeface="Consolas" panose="020B0609020204030204" pitchFamily="49" charset="0"/>
-                </a:rPr>
-                <a:t>	[</a:t>
-              </a:r>
-              <a:r>
-                <a:rPr lang="en-US" sz="1000" dirty="0">
-                  <a:solidFill>
-                    <a:schemeClr val="tx1"/>
-                  </a:solidFill>
-                  <a:latin typeface="Consolas" panose="020B0609020204030204" pitchFamily="49" charset="0"/>
-                  <a:cs typeface="Consolas" panose="020B0609020204030204" pitchFamily="49" charset="0"/>
-                </a:rPr>
-                <a:t>dict, e.g. {‘svr’:’ecao’}]</a:t>
+                <a:t> 	[dict, e.g. {‘svr’:’ecao’}]</a:t>
               </a:r>
             </a:p>
             <a:p>
@@ -4568,15 +4147,15 @@
           <a:lstStyle/>
           <a:p>
             <a:r>
-              <a:rPr lang="en-US" dirty="0" smtClean="0"/>
+              <a:rPr lang="en-US" dirty="0"/>
               <a:t>User identifies datasets on datasets tab. Datasets are stored in </a:t>
             </a:r>
             <a:r>
-              <a:rPr lang="en-US" dirty="0" err="1" smtClean="0"/>
+              <a:rPr lang="en-US" dirty="0" err="1"/>
               <a:t>datasetTable</a:t>
             </a:r>
             <a:r>
-              <a:rPr lang="en-US" dirty="0" smtClean="0"/>
+              <a:rPr lang="en-US" dirty="0"/>
               <a:t>.</a:t>
             </a:r>
           </a:p>
@@ -4643,14 +4222,14 @@
           <a:lstStyle/>
           <a:p>
             <a:r>
-              <a:rPr lang="en-US" dirty="0" smtClean="0"/>
+              <a:rPr lang="en-US" dirty="0"/>
               <a:t>User downloads data for datasets. Downloaded data is stored in </a:t>
             </a:r>
             <a:r>
-              <a:rPr lang="en-US" dirty="0" err="1" smtClean="0"/>
+              <a:rPr lang="en-US" dirty="0" err="1"/>
               <a:t>datatable</a:t>
             </a:r>
-            <a:endParaRPr lang="en-US" dirty="0" smtClean="0"/>
+            <a:endParaRPr lang="en-US" dirty="0"/>
           </a:p>
         </p:txBody>
       </p:sp>
@@ -4724,20 +4303,10 @@
                   <a:latin typeface="Consolas" panose="020B0609020204030204" pitchFamily="49" charset="0"/>
                   <a:cs typeface="Consolas" panose="020B0609020204030204" pitchFamily="49" charset="0"/>
                 </a:rPr>
-                <a:t>(</a:t>
-              </a:r>
-              <a:r>
-                <a:rPr lang="en-US" sz="1000" b="1" dirty="0" smtClean="0">
-                  <a:solidFill>
-                    <a:schemeClr val="tx1"/>
-                  </a:solidFill>
-                  <a:latin typeface="Consolas" panose="020B0609020204030204" pitchFamily="49" charset="0"/>
-                  <a:cs typeface="Consolas" panose="020B0609020204030204" pitchFamily="49" charset="0"/>
-                </a:rPr>
-                <a:t>IDX) </a:t>
-              </a:r>
-              <a:r>
-                <a:rPr lang="en-US" sz="1000" b="1" dirty="0" err="1" smtClean="0">
+                <a:t>(IDX) </a:t>
+              </a:r>
+              <a:r>
+                <a:rPr lang="en-US" sz="1000" b="1" dirty="0" err="1">
                   <a:solidFill>
                     <a:schemeClr val="tx1"/>
                   </a:solidFill>
@@ -4747,7 +4316,7 @@
                 <a:t>Datetime</a:t>
               </a:r>
               <a:r>
-                <a:rPr lang="en-US" sz="1000" b="1" dirty="0" smtClean="0">
+                <a:rPr lang="en-US" sz="1000" b="1" dirty="0">
                   <a:solidFill>
                     <a:schemeClr val="tx1"/>
                   </a:solidFill>
@@ -4757,7 +4326,7 @@
                 <a:t>		</a:t>
               </a:r>
               <a:r>
-                <a:rPr lang="en-US" sz="1000" dirty="0" smtClean="0">
+                <a:rPr lang="en-US" sz="1000" dirty="0">
                   <a:solidFill>
                     <a:schemeClr val="tx1"/>
                   </a:solidFill>
@@ -4766,7 +4335,7 @@
                 </a:rPr>
                 <a:t>[datetime64, e.g. ‘2018-10-01’]</a:t>
               </a:r>
-              <a:endParaRPr lang="en-US" sz="1000" b="1" dirty="0" smtClean="0">
+              <a:endParaRPr lang="en-US" sz="1000" b="1" dirty="0">
                 <a:solidFill>
                   <a:schemeClr val="tx1"/>
                 </a:solidFill>
@@ -4776,7 +4345,7 @@
             </a:p>
             <a:p>
               <a:r>
-                <a:rPr lang="en-US" sz="1000" b="1" dirty="0" smtClean="0">
+                <a:rPr lang="en-US" sz="1000" b="1" dirty="0">
                   <a:solidFill>
                     <a:schemeClr val="tx1"/>
                   </a:solidFill>
@@ -4786,7 +4355,7 @@
                 <a:t>(IDX) DatasetInternalID {FK}	</a:t>
               </a:r>
               <a:r>
-                <a:rPr lang="en-US" sz="1000" dirty="0" smtClean="0">
+                <a:rPr lang="en-US" sz="1000" dirty="0">
                   <a:solidFill>
                     <a:schemeClr val="tx1"/>
                   </a:solidFill>
@@ -4795,7 +4364,7 @@
                 </a:rPr>
                 <a:t>[integer, e.g. 100302]</a:t>
               </a:r>
-              <a:endParaRPr lang="en-US" sz="1000" b="1" dirty="0" smtClean="0">
+              <a:endParaRPr lang="en-US" sz="1000" b="1" dirty="0">
                 <a:solidFill>
                   <a:schemeClr val="tx1"/>
                 </a:solidFill>
@@ -4805,7 +4374,7 @@
             </a:p>
             <a:p>
               <a:r>
-                <a:rPr lang="en-US" sz="1000" b="1" dirty="0" err="1" smtClean="0">
+                <a:rPr lang="en-US" sz="1000" b="1" dirty="0" err="1">
                   <a:solidFill>
                     <a:schemeClr val="tx1"/>
                   </a:solidFill>
@@ -4815,7 +4384,7 @@
                 <a:t>EditFlag</a:t>
               </a:r>
               <a:r>
-                <a:rPr lang="en-US" sz="1000" b="1" dirty="0" smtClean="0">
+                <a:rPr lang="en-US" sz="1000" b="1" dirty="0">
                   <a:solidFill>
                     <a:schemeClr val="tx1"/>
                   </a:solidFill>
@@ -4825,7 +4394,7 @@
                 <a:t>			</a:t>
               </a:r>
               <a:r>
-                <a:rPr lang="en-US" sz="1000" dirty="0" smtClean="0">
+                <a:rPr lang="en-US" sz="1000" dirty="0">
                   <a:solidFill>
                     <a:schemeClr val="tx1"/>
                   </a:solidFill>
@@ -4834,7 +4403,7 @@
                 </a:rPr>
                 <a:t>[bool, e.g. True/False</a:t>
               </a:r>
-              <a:endParaRPr lang="en-US" sz="1000" b="1" dirty="0" smtClean="0">
+              <a:endParaRPr lang="en-US" sz="1000" b="1" dirty="0">
                 <a:solidFill>
                   <a:schemeClr val="tx1"/>
                 </a:solidFill>
@@ -4844,7 +4413,7 @@
             </a:p>
             <a:p>
               <a:r>
-                <a:rPr lang="en-US" sz="1000" b="1" dirty="0" smtClean="0">
+                <a:rPr lang="en-US" sz="1000" b="1" dirty="0">
                   <a:solidFill>
                     <a:schemeClr val="tx1"/>
                   </a:solidFill>
@@ -4854,7 +4423,7 @@
                 <a:t>Value			</a:t>
               </a:r>
               <a:r>
-                <a:rPr lang="en-US" sz="1000" dirty="0" smtClean="0">
+                <a:rPr lang="en-US" sz="1000" dirty="0">
                   <a:solidFill>
                     <a:schemeClr val="tx1"/>
                   </a:solidFill>
@@ -4934,7 +4503,7 @@
             <a:p>
               <a:pPr algn="ctr"/>
               <a:r>
-                <a:rPr lang="en-US" sz="1200" dirty="0" err="1" smtClean="0">
+                <a:rPr lang="en-US" sz="1200" dirty="0" err="1">
                   <a:solidFill>
                     <a:schemeClr val="accent4">
                       <a:lumMod val="40000"/>
@@ -4947,7 +4516,7 @@
                 <a:t>self.</a:t>
               </a:r>
               <a:r>
-                <a:rPr lang="en-US" sz="1200" dirty="0" err="1" smtClean="0">
+                <a:rPr lang="en-US" sz="1200" dirty="0" err="1">
                   <a:solidFill>
                     <a:schemeClr val="bg1"/>
                   </a:solidFill>
@@ -5020,7 +4589,7 @@
           <a:lstStyle/>
           <a:p>
             <a:r>
-              <a:rPr lang="en-US" sz="2000" b="1" dirty="0" err="1" smtClean="0">
+              <a:rPr lang="en-US" sz="2000" b="1" dirty="0" err="1">
                 <a:solidFill>
                   <a:schemeClr val="tx2"/>
                 </a:solidFill>
@@ -5028,7 +4597,7 @@
               <a:t>NextFlow</a:t>
             </a:r>
             <a:r>
-              <a:rPr lang="en-US" sz="2000" b="1" dirty="0" smtClean="0">
+              <a:rPr lang="en-US" sz="2000" b="1" dirty="0">
                 <a:solidFill>
                   <a:schemeClr val="tx2"/>
                 </a:solidFill>
@@ -5162,27 +4731,7 @@
                   <a:latin typeface="Consolas" panose="020B0609020204030204" pitchFamily="49" charset="0"/>
                   <a:cs typeface="Consolas" panose="020B0609020204030204" pitchFamily="49" charset="0"/>
                 </a:rPr>
-                <a:t> 	</a:t>
-              </a:r>
-              <a:r>
-                <a:rPr lang="en-US" sz="1000" dirty="0" smtClean="0">
-                  <a:solidFill>
-                    <a:schemeClr val="tx1"/>
-                  </a:solidFill>
-                  <a:latin typeface="Consolas" panose="020B0609020204030204" pitchFamily="49" charset="0"/>
-                  <a:cs typeface="Consolas" panose="020B0609020204030204" pitchFamily="49" charset="0"/>
-                </a:rPr>
-                <a:t>[</a:t>
-              </a:r>
-              <a:r>
-                <a:rPr lang="en-US" sz="1000" dirty="0">
-                  <a:solidFill>
-                    <a:schemeClr val="tx1"/>
-                  </a:solidFill>
-                  <a:latin typeface="Consolas" panose="020B0609020204030204" pitchFamily="49" charset="0"/>
-                  <a:cs typeface="Consolas" panose="020B0609020204030204" pitchFamily="49" charset="0"/>
-                </a:rPr>
-                <a:t>string, e.g. ‘06025500’]</a:t>
+                <a:t> 	[string, e.g. ‘06025500’]</a:t>
               </a:r>
             </a:p>
             <a:p>
@@ -5226,27 +4775,7 @@
                   <a:latin typeface="Consolas" panose="020B0609020204030204" pitchFamily="49" charset="0"/>
                   <a:cs typeface="Consolas" panose="020B0609020204030204" pitchFamily="49" charset="0"/>
                 </a:rPr>
-                <a:t> 	</a:t>
-              </a:r>
-              <a:r>
-                <a:rPr lang="en-US" sz="1000" dirty="0" smtClean="0">
-                  <a:solidFill>
-                    <a:schemeClr val="tx1"/>
-                  </a:solidFill>
-                  <a:latin typeface="Consolas" panose="020B0609020204030204" pitchFamily="49" charset="0"/>
-                  <a:cs typeface="Consolas" panose="020B0609020204030204" pitchFamily="49" charset="0"/>
-                </a:rPr>
-                <a:t>[</a:t>
-              </a:r>
-              <a:r>
-                <a:rPr lang="en-US" sz="1000" dirty="0">
-                  <a:solidFill>
-                    <a:schemeClr val="tx1"/>
-                  </a:solidFill>
-                  <a:latin typeface="Consolas" panose="020B0609020204030204" pitchFamily="49" charset="0"/>
-                  <a:cs typeface="Consolas" panose="020B0609020204030204" pitchFamily="49" charset="0"/>
-                </a:rPr>
-                <a:t>string, e.g. ‘USGS’]</a:t>
+                <a:t> 	[string, e.g. ‘USGS’]</a:t>
               </a:r>
             </a:p>
             <a:p>
@@ -5268,27 +4797,7 @@
                   <a:latin typeface="Consolas" panose="020B0609020204030204" pitchFamily="49" charset="0"/>
                   <a:cs typeface="Consolas" panose="020B0609020204030204" pitchFamily="49" charset="0"/>
                 </a:rPr>
-                <a:t> 	</a:t>
-              </a:r>
-              <a:r>
-                <a:rPr lang="en-US" sz="1000" dirty="0" smtClean="0">
-                  <a:solidFill>
-                    <a:schemeClr val="tx1"/>
-                  </a:solidFill>
-                  <a:latin typeface="Consolas" panose="020B0609020204030204" pitchFamily="49" charset="0"/>
-                  <a:cs typeface="Consolas" panose="020B0609020204030204" pitchFamily="49" charset="0"/>
-                </a:rPr>
-                <a:t>[</a:t>
-              </a:r>
-              <a:r>
-                <a:rPr lang="en-US" sz="1000" dirty="0">
-                  <a:solidFill>
-                    <a:schemeClr val="tx1"/>
-                  </a:solidFill>
-                  <a:latin typeface="Consolas" panose="020B0609020204030204" pitchFamily="49" charset="0"/>
-                  <a:cs typeface="Consolas" panose="020B0609020204030204" pitchFamily="49" charset="0"/>
-                </a:rPr>
-                <a:t>string, e.g. ‘Streamflow’]</a:t>
+                <a:t> 	[string, e.g. ‘Streamflow’]</a:t>
               </a:r>
             </a:p>
             <a:p>
@@ -5354,27 +4863,7 @@
                   <a:latin typeface="Consolas" panose="020B0609020204030204" pitchFamily="49" charset="0"/>
                   <a:cs typeface="Consolas" panose="020B0609020204030204" pitchFamily="49" charset="0"/>
                 </a:rPr>
-                <a:t> 	</a:t>
-              </a:r>
-              <a:r>
-                <a:rPr lang="en-US" sz="1000" dirty="0" smtClean="0">
-                  <a:solidFill>
-                    <a:schemeClr val="tx1"/>
-                  </a:solidFill>
-                  <a:latin typeface="Consolas" panose="020B0609020204030204" pitchFamily="49" charset="0"/>
-                  <a:cs typeface="Consolas" panose="020B0609020204030204" pitchFamily="49" charset="0"/>
-                </a:rPr>
-                <a:t>[</a:t>
-              </a:r>
-              <a:r>
-                <a:rPr lang="en-US" sz="1000" dirty="0">
-                  <a:solidFill>
-                    <a:schemeClr val="tx1"/>
-                  </a:solidFill>
-                  <a:latin typeface="Consolas" panose="020B0609020204030204" pitchFamily="49" charset="0"/>
-                  <a:cs typeface="Consolas" panose="020B0609020204030204" pitchFamily="49" charset="0"/>
-                </a:rPr>
-                <a:t>string, e.g. ‘USGS_NWIS’]</a:t>
+                <a:t> 	[string, e.g. ‘USGS_NWIS’]</a:t>
               </a:r>
             </a:p>
             <a:p>
@@ -5418,27 +4907,7 @@
                   <a:latin typeface="Consolas" panose="020B0609020204030204" pitchFamily="49" charset="0"/>
                   <a:cs typeface="Consolas" panose="020B0609020204030204" pitchFamily="49" charset="0"/>
                 </a:rPr>
-                <a:t> 	</a:t>
-              </a:r>
-              <a:r>
-                <a:rPr lang="en-US" sz="1000" dirty="0" smtClean="0">
-                  <a:solidFill>
-                    <a:schemeClr val="tx1"/>
-                  </a:solidFill>
-                  <a:latin typeface="Consolas" panose="020B0609020204030204" pitchFamily="49" charset="0"/>
-                  <a:cs typeface="Consolas" panose="020B0609020204030204" pitchFamily="49" charset="0"/>
-                </a:rPr>
-                <a:t>[</a:t>
-              </a:r>
-              <a:r>
-                <a:rPr lang="en-US" sz="1000" dirty="0">
-                  <a:solidFill>
-                    <a:schemeClr val="tx1"/>
-                  </a:solidFill>
-                  <a:latin typeface="Consolas" panose="020B0609020204030204" pitchFamily="49" charset="0"/>
-                  <a:cs typeface="Consolas" panose="020B0609020204030204" pitchFamily="49" charset="0"/>
-                </a:rPr>
-                <a:t>float, e.g. 41.1142]</a:t>
+                <a:t> 	[float, e.g. 41.1142]</a:t>
               </a:r>
             </a:p>
             <a:p>
@@ -5460,27 +4929,7 @@
                   <a:latin typeface="Consolas" panose="020B0609020204030204" pitchFamily="49" charset="0"/>
                   <a:cs typeface="Consolas" panose="020B0609020204030204" pitchFamily="49" charset="0"/>
                 </a:rPr>
-                <a:t> 	</a:t>
-              </a:r>
-              <a:r>
-                <a:rPr lang="en-US" sz="1000" dirty="0" smtClean="0">
-                  <a:solidFill>
-                    <a:schemeClr val="tx1"/>
-                  </a:solidFill>
-                  <a:latin typeface="Consolas" panose="020B0609020204030204" pitchFamily="49" charset="0"/>
-                  <a:cs typeface="Consolas" panose="020B0609020204030204" pitchFamily="49" charset="0"/>
-                </a:rPr>
-                <a:t>[</a:t>
-              </a:r>
-              <a:r>
-                <a:rPr lang="en-US" sz="1000" dirty="0">
-                  <a:solidFill>
-                    <a:schemeClr val="tx1"/>
-                  </a:solidFill>
-                  <a:latin typeface="Consolas" panose="020B0609020204030204" pitchFamily="49" charset="0"/>
-                  <a:cs typeface="Consolas" panose="020B0609020204030204" pitchFamily="49" charset="0"/>
-                </a:rPr>
-                <a:t>float, e.g. -112.324]</a:t>
+                <a:t> 	[float, e.g. -112.324]</a:t>
               </a:r>
             </a:p>
             <a:p>
@@ -5502,27 +4951,7 @@
                   <a:latin typeface="Consolas" panose="020B0609020204030204" pitchFamily="49" charset="0"/>
                   <a:cs typeface="Consolas" panose="020B0609020204030204" pitchFamily="49" charset="0"/>
                 </a:rPr>
-                <a:t> 	</a:t>
-              </a:r>
-              <a:r>
-                <a:rPr lang="en-US" sz="1000" dirty="0" smtClean="0">
-                  <a:solidFill>
-                    <a:schemeClr val="tx1"/>
-                  </a:solidFill>
-                  <a:latin typeface="Consolas" panose="020B0609020204030204" pitchFamily="49" charset="0"/>
-                  <a:cs typeface="Consolas" panose="020B0609020204030204" pitchFamily="49" charset="0"/>
-                </a:rPr>
-                <a:t>[</a:t>
-              </a:r>
-              <a:r>
-                <a:rPr lang="en-US" sz="1000" dirty="0">
-                  <a:solidFill>
-                    <a:schemeClr val="tx1"/>
-                  </a:solidFill>
-                  <a:latin typeface="Consolas" panose="020B0609020204030204" pitchFamily="49" charset="0"/>
-                  <a:cs typeface="Consolas" panose="020B0609020204030204" pitchFamily="49" charset="0"/>
-                </a:rPr>
-                <a:t>float, e.g. 1923.2]</a:t>
+                <a:t> 	[float, e.g. 1923.2]</a:t>
               </a:r>
             </a:p>
             <a:p>
@@ -5544,27 +4973,7 @@
                   <a:latin typeface="Consolas" panose="020B0609020204030204" pitchFamily="49" charset="0"/>
                   <a:cs typeface="Consolas" panose="020B0609020204030204" pitchFamily="49" charset="0"/>
                 </a:rPr>
-                <a:t> 	</a:t>
-              </a:r>
-              <a:r>
-                <a:rPr lang="en-US" sz="1000" dirty="0" smtClean="0">
-                  <a:solidFill>
-                    <a:schemeClr val="tx1"/>
-                  </a:solidFill>
-                  <a:latin typeface="Consolas" panose="020B0609020204030204" pitchFamily="49" charset="0"/>
-                  <a:cs typeface="Consolas" panose="020B0609020204030204" pitchFamily="49" charset="0"/>
-                </a:rPr>
-                <a:t>[</a:t>
-              </a:r>
-              <a:r>
-                <a:rPr lang="en-US" sz="1000" dirty="0">
-                  <a:solidFill>
-                    <a:schemeClr val="tx1"/>
-                  </a:solidFill>
-                  <a:latin typeface="Consolas" panose="020B0609020204030204" pitchFamily="49" charset="0"/>
-                  <a:cs typeface="Consolas" panose="020B0609020204030204" pitchFamily="49" charset="0"/>
-                </a:rPr>
-                <a:t>datetime64, e.g. ‘2018-01-01’]</a:t>
+                <a:t> 	[datetime64, e.g. ‘2018-01-01’]</a:t>
               </a:r>
             </a:p>
             <a:p>
@@ -5586,27 +4995,7 @@
                   <a:latin typeface="Consolas" panose="020B0609020204030204" pitchFamily="49" charset="0"/>
                   <a:cs typeface="Consolas" panose="020B0609020204030204" pitchFamily="49" charset="0"/>
                 </a:rPr>
-                <a:t> 	</a:t>
-              </a:r>
-              <a:r>
-                <a:rPr lang="en-US" sz="1000" dirty="0" smtClean="0">
-                  <a:solidFill>
-                    <a:schemeClr val="tx1"/>
-                  </a:solidFill>
-                  <a:latin typeface="Consolas" panose="020B0609020204030204" pitchFamily="49" charset="0"/>
-                  <a:cs typeface="Consolas" panose="020B0609020204030204" pitchFamily="49" charset="0"/>
-                </a:rPr>
-                <a:t>[</a:t>
-              </a:r>
-              <a:r>
-                <a:rPr lang="en-US" sz="1000" dirty="0">
-                  <a:solidFill>
-                    <a:schemeClr val="tx1"/>
-                  </a:solidFill>
-                  <a:latin typeface="Consolas" panose="020B0609020204030204" pitchFamily="49" charset="0"/>
-                  <a:cs typeface="Consolas" panose="020B0609020204030204" pitchFamily="49" charset="0"/>
-                </a:rPr>
-                <a:t>datetime64, e.g. ‘2019-01-01’]</a:t>
+                <a:t> 	[datetime64, e.g. ‘2019-01-01’]</a:t>
               </a:r>
             </a:p>
             <a:p>
@@ -5628,27 +5017,7 @@
                   <a:latin typeface="Consolas" panose="020B0609020204030204" pitchFamily="49" charset="0"/>
                   <a:cs typeface="Consolas" panose="020B0609020204030204" pitchFamily="49" charset="0"/>
                 </a:rPr>
-                <a:t> </a:t>
-              </a:r>
-              <a:r>
-                <a:rPr lang="en-US" sz="1000" dirty="0" smtClean="0">
-                  <a:solidFill>
-                    <a:schemeClr val="tx1"/>
-                  </a:solidFill>
-                  <a:latin typeface="Consolas" panose="020B0609020204030204" pitchFamily="49" charset="0"/>
-                  <a:cs typeface="Consolas" panose="020B0609020204030204" pitchFamily="49" charset="0"/>
-                </a:rPr>
-                <a:t>	[</a:t>
-              </a:r>
-              <a:r>
-                <a:rPr lang="en-US" sz="1000" dirty="0">
-                  <a:solidFill>
-                    <a:schemeClr val="tx1"/>
-                  </a:solidFill>
-                  <a:latin typeface="Consolas" panose="020B0609020204030204" pitchFamily="49" charset="0"/>
-                  <a:cs typeface="Consolas" panose="020B0609020204030204" pitchFamily="49" charset="0"/>
-                </a:rPr>
-                <a:t>dict, e.g. {‘svr’:’ecao’}]</a:t>
+                <a:t> 	[dict, e.g. {‘svr’:’ecao’}]</a:t>
               </a:r>
             </a:p>
             <a:p>
@@ -5772,15 +5141,15 @@
           <a:lstStyle/>
           <a:p>
             <a:r>
-              <a:rPr lang="en-US" dirty="0" smtClean="0"/>
+              <a:rPr lang="en-US" dirty="0"/>
               <a:t>User identifies datasets on datasets tab. Datasets are stored in </a:t>
             </a:r>
             <a:r>
-              <a:rPr lang="en-US" dirty="0" err="1" smtClean="0"/>
+              <a:rPr lang="en-US" dirty="0" err="1"/>
               <a:t>datasetTable</a:t>
             </a:r>
             <a:r>
-              <a:rPr lang="en-US" dirty="0" smtClean="0"/>
+              <a:rPr lang="en-US" dirty="0"/>
               <a:t>.</a:t>
             </a:r>
           </a:p>
@@ -5847,14 +5216,14 @@
           <a:lstStyle/>
           <a:p>
             <a:r>
-              <a:rPr lang="en-US" dirty="0" smtClean="0"/>
+              <a:rPr lang="en-US" dirty="0"/>
               <a:t>User downloads data for datasets. Downloaded data is stored in </a:t>
             </a:r>
             <a:r>
-              <a:rPr lang="en-US" dirty="0" err="1" smtClean="0"/>
+              <a:rPr lang="en-US" dirty="0" err="1"/>
               <a:t>datatable</a:t>
             </a:r>
-            <a:endParaRPr lang="en-US" dirty="0" smtClean="0"/>
+            <a:endParaRPr lang="en-US" dirty="0"/>
           </a:p>
         </p:txBody>
       </p:sp>
@@ -5928,20 +5297,10 @@
                   <a:latin typeface="Consolas" panose="020B0609020204030204" pitchFamily="49" charset="0"/>
                   <a:cs typeface="Consolas" panose="020B0609020204030204" pitchFamily="49" charset="0"/>
                 </a:rPr>
-                <a:t>(</a:t>
-              </a:r>
-              <a:r>
-                <a:rPr lang="en-US" sz="1000" b="1" dirty="0" smtClean="0">
-                  <a:solidFill>
-                    <a:schemeClr val="tx1"/>
-                  </a:solidFill>
-                  <a:latin typeface="Consolas" panose="020B0609020204030204" pitchFamily="49" charset="0"/>
-                  <a:cs typeface="Consolas" panose="020B0609020204030204" pitchFamily="49" charset="0"/>
-                </a:rPr>
-                <a:t>IDX) </a:t>
-              </a:r>
-              <a:r>
-                <a:rPr lang="en-US" sz="1000" b="1" dirty="0" err="1" smtClean="0">
+                <a:t>(IDX) </a:t>
+              </a:r>
+              <a:r>
+                <a:rPr lang="en-US" sz="1000" b="1" dirty="0" err="1">
                   <a:solidFill>
                     <a:schemeClr val="tx1"/>
                   </a:solidFill>
@@ -5951,7 +5310,7 @@
                 <a:t>Datetime</a:t>
               </a:r>
               <a:r>
-                <a:rPr lang="en-US" sz="1000" b="1" dirty="0" smtClean="0">
+                <a:rPr lang="en-US" sz="1000" b="1" dirty="0">
                   <a:solidFill>
                     <a:schemeClr val="tx1"/>
                   </a:solidFill>
@@ -5961,7 +5320,7 @@
                 <a:t>		</a:t>
               </a:r>
               <a:r>
-                <a:rPr lang="en-US" sz="1000" dirty="0" smtClean="0">
+                <a:rPr lang="en-US" sz="1000" dirty="0">
                   <a:solidFill>
                     <a:schemeClr val="tx1"/>
                   </a:solidFill>
@@ -5970,7 +5329,7 @@
                 </a:rPr>
                 <a:t>[datetime64, e.g. ‘2018-10-01’]</a:t>
               </a:r>
-              <a:endParaRPr lang="en-US" sz="1000" b="1" dirty="0" smtClean="0">
+              <a:endParaRPr lang="en-US" sz="1000" b="1" dirty="0">
                 <a:solidFill>
                   <a:schemeClr val="tx1"/>
                 </a:solidFill>
@@ -5980,7 +5339,7 @@
             </a:p>
             <a:p>
               <a:r>
-                <a:rPr lang="en-US" sz="1000" b="1" dirty="0" smtClean="0">
+                <a:rPr lang="en-US" sz="1000" b="1" dirty="0">
                   <a:solidFill>
                     <a:schemeClr val="tx1"/>
                   </a:solidFill>
@@ -5990,7 +5349,7 @@
                 <a:t>(IDX) DatasetInternalID {FK}	</a:t>
               </a:r>
               <a:r>
-                <a:rPr lang="en-US" sz="1000" dirty="0" smtClean="0">
+                <a:rPr lang="en-US" sz="1000" dirty="0">
                   <a:solidFill>
                     <a:schemeClr val="tx1"/>
                   </a:solidFill>
@@ -5999,7 +5358,7 @@
                 </a:rPr>
                 <a:t>[integer, e.g. 100302]</a:t>
               </a:r>
-              <a:endParaRPr lang="en-US" sz="1000" b="1" dirty="0" smtClean="0">
+              <a:endParaRPr lang="en-US" sz="1000" b="1" dirty="0">
                 <a:solidFill>
                   <a:schemeClr val="tx1"/>
                 </a:solidFill>
@@ -6009,7 +5368,7 @@
             </a:p>
             <a:p>
               <a:r>
-                <a:rPr lang="en-US" sz="1000" b="1" dirty="0" err="1" smtClean="0">
+                <a:rPr lang="en-US" sz="1000" b="1" dirty="0" err="1">
                   <a:solidFill>
                     <a:schemeClr val="tx1"/>
                   </a:solidFill>
@@ -6019,7 +5378,7 @@
                 <a:t>EditFlag</a:t>
               </a:r>
               <a:r>
-                <a:rPr lang="en-US" sz="1000" b="1" dirty="0" smtClean="0">
+                <a:rPr lang="en-US" sz="1000" b="1" dirty="0">
                   <a:solidFill>
                     <a:schemeClr val="tx1"/>
                   </a:solidFill>
@@ -6029,7 +5388,7 @@
                 <a:t>			</a:t>
               </a:r>
               <a:r>
-                <a:rPr lang="en-US" sz="1000" dirty="0" smtClean="0">
+                <a:rPr lang="en-US" sz="1000" dirty="0">
                   <a:solidFill>
                     <a:schemeClr val="tx1"/>
                   </a:solidFill>
@@ -6038,7 +5397,7 @@
                 </a:rPr>
                 <a:t>[bool, e.g. True/False]</a:t>
               </a:r>
-              <a:endParaRPr lang="en-US" sz="1000" b="1" dirty="0" smtClean="0">
+              <a:endParaRPr lang="en-US" sz="1000" b="1" dirty="0">
                 <a:solidFill>
                   <a:schemeClr val="tx1"/>
                 </a:solidFill>
@@ -6048,7 +5407,7 @@
             </a:p>
             <a:p>
               <a:r>
-                <a:rPr lang="en-US" sz="1000" b="1" dirty="0" smtClean="0">
+                <a:rPr lang="en-US" sz="1000" b="1" dirty="0">
                   <a:solidFill>
                     <a:schemeClr val="tx1"/>
                   </a:solidFill>
@@ -6058,7 +5417,7 @@
                 <a:t>Value			</a:t>
               </a:r>
               <a:r>
-                <a:rPr lang="en-US" sz="1000" dirty="0" smtClean="0">
+                <a:rPr lang="en-US" sz="1000" dirty="0">
                   <a:solidFill>
                     <a:schemeClr val="tx1"/>
                   </a:solidFill>
@@ -6138,7 +5497,7 @@
             <a:p>
               <a:pPr algn="ctr"/>
               <a:r>
-                <a:rPr lang="en-US" sz="1200" dirty="0" err="1" smtClean="0">
+                <a:rPr lang="en-US" sz="1200" dirty="0" err="1">
                   <a:solidFill>
                     <a:schemeClr val="accent4">
                       <a:lumMod val="40000"/>
@@ -6151,7 +5510,7 @@
                 <a:t>self.</a:t>
               </a:r>
               <a:r>
-                <a:rPr lang="en-US" sz="1200" dirty="0" err="1" smtClean="0">
+                <a:rPr lang="en-US" sz="1200" dirty="0" err="1">
                   <a:solidFill>
                     <a:schemeClr val="bg1"/>
                   </a:solidFill>
@@ -6232,7 +5591,7 @@
           <a:lstStyle/>
           <a:p>
             <a:r>
-              <a:rPr lang="en-US" dirty="0" smtClean="0"/>
+              <a:rPr lang="en-US" dirty="0"/>
               <a:t>Users specify the forecast equation they are trying to create (e.g. 1978-04-01/P4M-Accumulation)</a:t>
             </a:r>
           </a:p>
@@ -6291,7 +5650,7 @@
           <a:lstStyle/>
           <a:p>
             <a:r>
-              <a:rPr lang="en-US" sz="2000" b="1" dirty="0" err="1" smtClean="0">
+              <a:rPr lang="en-US" sz="2000" b="1" dirty="0" err="1">
                 <a:solidFill>
                   <a:schemeClr val="tx2"/>
                 </a:solidFill>
@@ -6299,7 +5658,7 @@
               <a:t>NextFlow</a:t>
             </a:r>
             <a:r>
-              <a:rPr lang="en-US" sz="2000" b="1" dirty="0" smtClean="0">
+              <a:rPr lang="en-US" sz="2000" b="1" dirty="0">
                 <a:solidFill>
                   <a:schemeClr val="tx2"/>
                 </a:solidFill>
@@ -6433,27 +5792,7 @@
                   <a:latin typeface="Consolas" panose="020B0609020204030204" pitchFamily="49" charset="0"/>
                   <a:cs typeface="Consolas" panose="020B0609020204030204" pitchFamily="49" charset="0"/>
                 </a:rPr>
-                <a:t> 	</a:t>
-              </a:r>
-              <a:r>
-                <a:rPr lang="en-US" sz="1000" dirty="0" smtClean="0">
-                  <a:solidFill>
-                    <a:schemeClr val="tx1"/>
-                  </a:solidFill>
-                  <a:latin typeface="Consolas" panose="020B0609020204030204" pitchFamily="49" charset="0"/>
-                  <a:cs typeface="Consolas" panose="020B0609020204030204" pitchFamily="49" charset="0"/>
-                </a:rPr>
-                <a:t>[</a:t>
-              </a:r>
-              <a:r>
-                <a:rPr lang="en-US" sz="1000" dirty="0">
-                  <a:solidFill>
-                    <a:schemeClr val="tx1"/>
-                  </a:solidFill>
-                  <a:latin typeface="Consolas" panose="020B0609020204030204" pitchFamily="49" charset="0"/>
-                  <a:cs typeface="Consolas" panose="020B0609020204030204" pitchFamily="49" charset="0"/>
-                </a:rPr>
-                <a:t>string, e.g. ‘06025500’]</a:t>
+                <a:t> 	[string, e.g. ‘06025500’]</a:t>
               </a:r>
             </a:p>
             <a:p>
@@ -6497,27 +5836,7 @@
                   <a:latin typeface="Consolas" panose="020B0609020204030204" pitchFamily="49" charset="0"/>
                   <a:cs typeface="Consolas" panose="020B0609020204030204" pitchFamily="49" charset="0"/>
                 </a:rPr>
-                <a:t> 	</a:t>
-              </a:r>
-              <a:r>
-                <a:rPr lang="en-US" sz="1000" dirty="0" smtClean="0">
-                  <a:solidFill>
-                    <a:schemeClr val="tx1"/>
-                  </a:solidFill>
-                  <a:latin typeface="Consolas" panose="020B0609020204030204" pitchFamily="49" charset="0"/>
-                  <a:cs typeface="Consolas" panose="020B0609020204030204" pitchFamily="49" charset="0"/>
-                </a:rPr>
-                <a:t>[</a:t>
-              </a:r>
-              <a:r>
-                <a:rPr lang="en-US" sz="1000" dirty="0">
-                  <a:solidFill>
-                    <a:schemeClr val="tx1"/>
-                  </a:solidFill>
-                  <a:latin typeface="Consolas" panose="020B0609020204030204" pitchFamily="49" charset="0"/>
-                  <a:cs typeface="Consolas" panose="020B0609020204030204" pitchFamily="49" charset="0"/>
-                </a:rPr>
-                <a:t>string, e.g. ‘USGS’]</a:t>
+                <a:t> 	[string, e.g. ‘USGS’]</a:t>
               </a:r>
             </a:p>
             <a:p>
@@ -6539,27 +5858,7 @@
                   <a:latin typeface="Consolas" panose="020B0609020204030204" pitchFamily="49" charset="0"/>
                   <a:cs typeface="Consolas" panose="020B0609020204030204" pitchFamily="49" charset="0"/>
                 </a:rPr>
-                <a:t> 	</a:t>
-              </a:r>
-              <a:r>
-                <a:rPr lang="en-US" sz="1000" dirty="0" smtClean="0">
-                  <a:solidFill>
-                    <a:schemeClr val="tx1"/>
-                  </a:solidFill>
-                  <a:latin typeface="Consolas" panose="020B0609020204030204" pitchFamily="49" charset="0"/>
-                  <a:cs typeface="Consolas" panose="020B0609020204030204" pitchFamily="49" charset="0"/>
-                </a:rPr>
-                <a:t>[</a:t>
-              </a:r>
-              <a:r>
-                <a:rPr lang="en-US" sz="1000" dirty="0">
-                  <a:solidFill>
-                    <a:schemeClr val="tx1"/>
-                  </a:solidFill>
-                  <a:latin typeface="Consolas" panose="020B0609020204030204" pitchFamily="49" charset="0"/>
-                  <a:cs typeface="Consolas" panose="020B0609020204030204" pitchFamily="49" charset="0"/>
-                </a:rPr>
-                <a:t>string, e.g. ‘Streamflow’]</a:t>
+                <a:t> 	[string, e.g. ‘Streamflow’]</a:t>
               </a:r>
             </a:p>
             <a:p>
@@ -6625,27 +5924,7 @@
                   <a:latin typeface="Consolas" panose="020B0609020204030204" pitchFamily="49" charset="0"/>
                   <a:cs typeface="Consolas" panose="020B0609020204030204" pitchFamily="49" charset="0"/>
                 </a:rPr>
-                <a:t> 	</a:t>
-              </a:r>
-              <a:r>
-                <a:rPr lang="en-US" sz="1000" dirty="0" smtClean="0">
-                  <a:solidFill>
-                    <a:schemeClr val="tx1"/>
-                  </a:solidFill>
-                  <a:latin typeface="Consolas" panose="020B0609020204030204" pitchFamily="49" charset="0"/>
-                  <a:cs typeface="Consolas" panose="020B0609020204030204" pitchFamily="49" charset="0"/>
-                </a:rPr>
-                <a:t>[</a:t>
-              </a:r>
-              <a:r>
-                <a:rPr lang="en-US" sz="1000" dirty="0">
-                  <a:solidFill>
-                    <a:schemeClr val="tx1"/>
-                  </a:solidFill>
-                  <a:latin typeface="Consolas" panose="020B0609020204030204" pitchFamily="49" charset="0"/>
-                  <a:cs typeface="Consolas" panose="020B0609020204030204" pitchFamily="49" charset="0"/>
-                </a:rPr>
-                <a:t>string, e.g. ‘USGS_NWIS’]</a:t>
+                <a:t> 	[string, e.g. ‘USGS_NWIS’]</a:t>
               </a:r>
             </a:p>
             <a:p>
@@ -6689,27 +5968,7 @@
                   <a:latin typeface="Consolas" panose="020B0609020204030204" pitchFamily="49" charset="0"/>
                   <a:cs typeface="Consolas" panose="020B0609020204030204" pitchFamily="49" charset="0"/>
                 </a:rPr>
-                <a:t> 	</a:t>
-              </a:r>
-              <a:r>
-                <a:rPr lang="en-US" sz="1000" dirty="0" smtClean="0">
-                  <a:solidFill>
-                    <a:schemeClr val="tx1"/>
-                  </a:solidFill>
-                  <a:latin typeface="Consolas" panose="020B0609020204030204" pitchFamily="49" charset="0"/>
-                  <a:cs typeface="Consolas" panose="020B0609020204030204" pitchFamily="49" charset="0"/>
-                </a:rPr>
-                <a:t>[</a:t>
-              </a:r>
-              <a:r>
-                <a:rPr lang="en-US" sz="1000" dirty="0">
-                  <a:solidFill>
-                    <a:schemeClr val="tx1"/>
-                  </a:solidFill>
-                  <a:latin typeface="Consolas" panose="020B0609020204030204" pitchFamily="49" charset="0"/>
-                  <a:cs typeface="Consolas" panose="020B0609020204030204" pitchFamily="49" charset="0"/>
-                </a:rPr>
-                <a:t>float, e.g. 41.1142]</a:t>
+                <a:t> 	[float, e.g. 41.1142]</a:t>
               </a:r>
             </a:p>
             <a:p>
@@ -6731,27 +5990,7 @@
                   <a:latin typeface="Consolas" panose="020B0609020204030204" pitchFamily="49" charset="0"/>
                   <a:cs typeface="Consolas" panose="020B0609020204030204" pitchFamily="49" charset="0"/>
                 </a:rPr>
-                <a:t> 	</a:t>
-              </a:r>
-              <a:r>
-                <a:rPr lang="en-US" sz="1000" dirty="0" smtClean="0">
-                  <a:solidFill>
-                    <a:schemeClr val="tx1"/>
-                  </a:solidFill>
-                  <a:latin typeface="Consolas" panose="020B0609020204030204" pitchFamily="49" charset="0"/>
-                  <a:cs typeface="Consolas" panose="020B0609020204030204" pitchFamily="49" charset="0"/>
-                </a:rPr>
-                <a:t>[</a:t>
-              </a:r>
-              <a:r>
-                <a:rPr lang="en-US" sz="1000" dirty="0">
-                  <a:solidFill>
-                    <a:schemeClr val="tx1"/>
-                  </a:solidFill>
-                  <a:latin typeface="Consolas" panose="020B0609020204030204" pitchFamily="49" charset="0"/>
-                  <a:cs typeface="Consolas" panose="020B0609020204030204" pitchFamily="49" charset="0"/>
-                </a:rPr>
-                <a:t>float, e.g. -112.324]</a:t>
+                <a:t> 	[float, e.g. -112.324]</a:t>
               </a:r>
             </a:p>
             <a:p>
@@ -6773,27 +6012,7 @@
                   <a:latin typeface="Consolas" panose="020B0609020204030204" pitchFamily="49" charset="0"/>
                   <a:cs typeface="Consolas" panose="020B0609020204030204" pitchFamily="49" charset="0"/>
                 </a:rPr>
-                <a:t> 	</a:t>
-              </a:r>
-              <a:r>
-                <a:rPr lang="en-US" sz="1000" dirty="0" smtClean="0">
-                  <a:solidFill>
-                    <a:schemeClr val="tx1"/>
-                  </a:solidFill>
-                  <a:latin typeface="Consolas" panose="020B0609020204030204" pitchFamily="49" charset="0"/>
-                  <a:cs typeface="Consolas" panose="020B0609020204030204" pitchFamily="49" charset="0"/>
-                </a:rPr>
-                <a:t>[</a:t>
-              </a:r>
-              <a:r>
-                <a:rPr lang="en-US" sz="1000" dirty="0">
-                  <a:solidFill>
-                    <a:schemeClr val="tx1"/>
-                  </a:solidFill>
-                  <a:latin typeface="Consolas" panose="020B0609020204030204" pitchFamily="49" charset="0"/>
-                  <a:cs typeface="Consolas" panose="020B0609020204030204" pitchFamily="49" charset="0"/>
-                </a:rPr>
-                <a:t>float, e.g. 1923.2]</a:t>
+                <a:t> 	[float, e.g. 1923.2]</a:t>
               </a:r>
             </a:p>
             <a:p>
@@ -6815,27 +6034,7 @@
                   <a:latin typeface="Consolas" panose="020B0609020204030204" pitchFamily="49" charset="0"/>
                   <a:cs typeface="Consolas" panose="020B0609020204030204" pitchFamily="49" charset="0"/>
                 </a:rPr>
-                <a:t> 	</a:t>
-              </a:r>
-              <a:r>
-                <a:rPr lang="en-US" sz="1000" dirty="0" smtClean="0">
-                  <a:solidFill>
-                    <a:schemeClr val="tx1"/>
-                  </a:solidFill>
-                  <a:latin typeface="Consolas" panose="020B0609020204030204" pitchFamily="49" charset="0"/>
-                  <a:cs typeface="Consolas" panose="020B0609020204030204" pitchFamily="49" charset="0"/>
-                </a:rPr>
-                <a:t>[</a:t>
-              </a:r>
-              <a:r>
-                <a:rPr lang="en-US" sz="1000" dirty="0">
-                  <a:solidFill>
-                    <a:schemeClr val="tx1"/>
-                  </a:solidFill>
-                  <a:latin typeface="Consolas" panose="020B0609020204030204" pitchFamily="49" charset="0"/>
-                  <a:cs typeface="Consolas" panose="020B0609020204030204" pitchFamily="49" charset="0"/>
-                </a:rPr>
-                <a:t>datetime64, e.g. ‘2018-01-01’]</a:t>
+                <a:t> 	[datetime64, e.g. ‘2018-01-01’]</a:t>
               </a:r>
             </a:p>
             <a:p>
@@ -6857,27 +6056,7 @@
                   <a:latin typeface="Consolas" panose="020B0609020204030204" pitchFamily="49" charset="0"/>
                   <a:cs typeface="Consolas" panose="020B0609020204030204" pitchFamily="49" charset="0"/>
                 </a:rPr>
-                <a:t> 	</a:t>
-              </a:r>
-              <a:r>
-                <a:rPr lang="en-US" sz="1000" dirty="0" smtClean="0">
-                  <a:solidFill>
-                    <a:schemeClr val="tx1"/>
-                  </a:solidFill>
-                  <a:latin typeface="Consolas" panose="020B0609020204030204" pitchFamily="49" charset="0"/>
-                  <a:cs typeface="Consolas" panose="020B0609020204030204" pitchFamily="49" charset="0"/>
-                </a:rPr>
-                <a:t>[</a:t>
-              </a:r>
-              <a:r>
-                <a:rPr lang="en-US" sz="1000" dirty="0">
-                  <a:solidFill>
-                    <a:schemeClr val="tx1"/>
-                  </a:solidFill>
-                  <a:latin typeface="Consolas" panose="020B0609020204030204" pitchFamily="49" charset="0"/>
-                  <a:cs typeface="Consolas" panose="020B0609020204030204" pitchFamily="49" charset="0"/>
-                </a:rPr>
-                <a:t>datetime64, e.g. ‘2019-01-01’]</a:t>
+                <a:t> 	[datetime64, e.g. ‘2019-01-01’]</a:t>
               </a:r>
             </a:p>
             <a:p>
@@ -6899,27 +6078,7 @@
                   <a:latin typeface="Consolas" panose="020B0609020204030204" pitchFamily="49" charset="0"/>
                   <a:cs typeface="Consolas" panose="020B0609020204030204" pitchFamily="49" charset="0"/>
                 </a:rPr>
-                <a:t> </a:t>
-              </a:r>
-              <a:r>
-                <a:rPr lang="en-US" sz="1000" dirty="0" smtClean="0">
-                  <a:solidFill>
-                    <a:schemeClr val="tx1"/>
-                  </a:solidFill>
-                  <a:latin typeface="Consolas" panose="020B0609020204030204" pitchFamily="49" charset="0"/>
-                  <a:cs typeface="Consolas" panose="020B0609020204030204" pitchFamily="49" charset="0"/>
-                </a:rPr>
-                <a:t>	[</a:t>
-              </a:r>
-              <a:r>
-                <a:rPr lang="en-US" sz="1000" dirty="0">
-                  <a:solidFill>
-                    <a:schemeClr val="tx1"/>
-                  </a:solidFill>
-                  <a:latin typeface="Consolas" panose="020B0609020204030204" pitchFamily="49" charset="0"/>
-                  <a:cs typeface="Consolas" panose="020B0609020204030204" pitchFamily="49" charset="0"/>
-                </a:rPr>
-                <a:t>dict, e.g. {‘svr’:’ecao’}]</a:t>
+                <a:t> 	[dict, e.g. {‘svr’:’ecao’}]</a:t>
               </a:r>
             </a:p>
             <a:p>
@@ -7043,15 +6202,15 @@
           <a:lstStyle/>
           <a:p>
             <a:r>
-              <a:rPr lang="en-US" dirty="0" smtClean="0"/>
+              <a:rPr lang="en-US" dirty="0"/>
               <a:t>User identifies datasets on datasets tab. Datasets are stored in </a:t>
             </a:r>
             <a:r>
-              <a:rPr lang="en-US" dirty="0" err="1" smtClean="0"/>
+              <a:rPr lang="en-US" dirty="0" err="1"/>
               <a:t>datasetTable</a:t>
             </a:r>
             <a:r>
-              <a:rPr lang="en-US" dirty="0" smtClean="0"/>
+              <a:rPr lang="en-US" dirty="0"/>
               <a:t>.</a:t>
             </a:r>
           </a:p>
@@ -7118,14 +6277,14 @@
           <a:lstStyle/>
           <a:p>
             <a:r>
-              <a:rPr lang="en-US" dirty="0" smtClean="0"/>
+              <a:rPr lang="en-US" dirty="0"/>
               <a:t>User downloads data for datasets. Downloaded data is stored in </a:t>
             </a:r>
             <a:r>
-              <a:rPr lang="en-US" dirty="0" err="1" smtClean="0"/>
+              <a:rPr lang="en-US" dirty="0" err="1"/>
               <a:t>datatable</a:t>
             </a:r>
-            <a:endParaRPr lang="en-US" dirty="0" smtClean="0"/>
+            <a:endParaRPr lang="en-US" dirty="0"/>
           </a:p>
         </p:txBody>
       </p:sp>
@@ -7199,20 +6358,10 @@
                   <a:latin typeface="Consolas" panose="020B0609020204030204" pitchFamily="49" charset="0"/>
                   <a:cs typeface="Consolas" panose="020B0609020204030204" pitchFamily="49" charset="0"/>
                 </a:rPr>
-                <a:t>(</a:t>
-              </a:r>
-              <a:r>
-                <a:rPr lang="en-US" sz="1000" b="1" dirty="0" smtClean="0">
-                  <a:solidFill>
-                    <a:schemeClr val="tx1"/>
-                  </a:solidFill>
-                  <a:latin typeface="Consolas" panose="020B0609020204030204" pitchFamily="49" charset="0"/>
-                  <a:cs typeface="Consolas" panose="020B0609020204030204" pitchFamily="49" charset="0"/>
-                </a:rPr>
-                <a:t>IDX) </a:t>
-              </a:r>
-              <a:r>
-                <a:rPr lang="en-US" sz="1000" b="1" dirty="0" err="1" smtClean="0">
+                <a:t>(IDX) </a:t>
+              </a:r>
+              <a:r>
+                <a:rPr lang="en-US" sz="1000" b="1" dirty="0" err="1">
                   <a:solidFill>
                     <a:schemeClr val="tx1"/>
                   </a:solidFill>
@@ -7222,7 +6371,7 @@
                 <a:t>Datetime</a:t>
               </a:r>
               <a:r>
-                <a:rPr lang="en-US" sz="1000" b="1" dirty="0" smtClean="0">
+                <a:rPr lang="en-US" sz="1000" b="1" dirty="0">
                   <a:solidFill>
                     <a:schemeClr val="tx1"/>
                   </a:solidFill>
@@ -7232,7 +6381,7 @@
                 <a:t>		</a:t>
               </a:r>
               <a:r>
-                <a:rPr lang="en-US" sz="1000" dirty="0" smtClean="0">
+                <a:rPr lang="en-US" sz="1000" dirty="0">
                   <a:solidFill>
                     <a:schemeClr val="tx1"/>
                   </a:solidFill>
@@ -7241,7 +6390,7 @@
                 </a:rPr>
                 <a:t>[datetime64, e.g. ‘2018-10-01’]</a:t>
               </a:r>
-              <a:endParaRPr lang="en-US" sz="1000" b="1" dirty="0" smtClean="0">
+              <a:endParaRPr lang="en-US" sz="1000" b="1" dirty="0">
                 <a:solidFill>
                   <a:schemeClr val="tx1"/>
                 </a:solidFill>
@@ -7251,7 +6400,7 @@
             </a:p>
             <a:p>
               <a:r>
-                <a:rPr lang="en-US" sz="1000" b="1" dirty="0" smtClean="0">
+                <a:rPr lang="en-US" sz="1000" b="1" dirty="0">
                   <a:solidFill>
                     <a:schemeClr val="tx1"/>
                   </a:solidFill>
@@ -7261,7 +6410,7 @@
                 <a:t>(IDX) DatasetInternalID {FK}	</a:t>
               </a:r>
               <a:r>
-                <a:rPr lang="en-US" sz="1000" dirty="0" smtClean="0">
+                <a:rPr lang="en-US" sz="1000" dirty="0">
                   <a:solidFill>
                     <a:schemeClr val="tx1"/>
                   </a:solidFill>
@@ -7270,7 +6419,7 @@
                 </a:rPr>
                 <a:t>[integer, e.g. 100302]</a:t>
               </a:r>
-              <a:endParaRPr lang="en-US" sz="1000" b="1" dirty="0" smtClean="0">
+              <a:endParaRPr lang="en-US" sz="1000" b="1" dirty="0">
                 <a:solidFill>
                   <a:schemeClr val="tx1"/>
                 </a:solidFill>
@@ -7280,7 +6429,7 @@
             </a:p>
             <a:p>
               <a:r>
-                <a:rPr lang="en-US" sz="1000" b="1" dirty="0" err="1" smtClean="0">
+                <a:rPr lang="en-US" sz="1000" b="1" dirty="0" err="1">
                   <a:solidFill>
                     <a:schemeClr val="tx1"/>
                   </a:solidFill>
@@ -7290,27 +6439,17 @@
                 <a:t>EditFlag</a:t>
               </a:r>
               <a:r>
-                <a:rPr lang="en-US" sz="1000" b="1" dirty="0" smtClean="0">
-                  <a:solidFill>
-                    <a:schemeClr val="tx1"/>
-                  </a:solidFill>
-                  <a:latin typeface="Consolas" panose="020B0609020204030204" pitchFamily="49" charset="0"/>
-                  <a:cs typeface="Consolas" panose="020B0609020204030204" pitchFamily="49" charset="0"/>
-                </a:rPr>
-                <a:t>		</a:t>
-              </a:r>
-              <a:r>
-                <a:rPr lang="en-US" sz="1000" b="1" dirty="0">
-                  <a:solidFill>
-                    <a:schemeClr val="tx1"/>
-                  </a:solidFill>
-                  <a:latin typeface="Consolas" panose="020B0609020204030204" pitchFamily="49" charset="0"/>
-                  <a:cs typeface="Consolas" panose="020B0609020204030204" pitchFamily="49" charset="0"/>
-                </a:rPr>
-                <a:t>	</a:t>
-              </a:r>
-              <a:r>
-                <a:rPr lang="en-US" sz="1000" dirty="0" smtClean="0">
+                <a:rPr lang="en-US" sz="1000" b="1" dirty="0">
+                  <a:solidFill>
+                    <a:schemeClr val="tx1"/>
+                  </a:solidFill>
+                  <a:latin typeface="Consolas" panose="020B0609020204030204" pitchFamily="49" charset="0"/>
+                  <a:cs typeface="Consolas" panose="020B0609020204030204" pitchFamily="49" charset="0"/>
+                </a:rPr>
+                <a:t>			</a:t>
+              </a:r>
+              <a:r>
+                <a:rPr lang="en-US" sz="1000" dirty="0">
                   <a:solidFill>
                     <a:schemeClr val="tx1"/>
                   </a:solidFill>
@@ -7319,7 +6458,7 @@
                 </a:rPr>
                 <a:t>[bool, e.g. True/False]</a:t>
               </a:r>
-              <a:endParaRPr lang="en-US" sz="1000" b="1" dirty="0" smtClean="0">
+              <a:endParaRPr lang="en-US" sz="1000" b="1" dirty="0">
                 <a:solidFill>
                   <a:schemeClr val="tx1"/>
                 </a:solidFill>
@@ -7329,7 +6468,7 @@
             </a:p>
             <a:p>
               <a:r>
-                <a:rPr lang="en-US" sz="1000" b="1" dirty="0" smtClean="0">
+                <a:rPr lang="en-US" sz="1000" b="1" dirty="0">
                   <a:solidFill>
                     <a:schemeClr val="tx1"/>
                   </a:solidFill>
@@ -7339,7 +6478,7 @@
                 <a:t>Value			</a:t>
               </a:r>
               <a:r>
-                <a:rPr lang="en-US" sz="1000" dirty="0" smtClean="0">
+                <a:rPr lang="en-US" sz="1000" dirty="0">
                   <a:solidFill>
                     <a:schemeClr val="tx1"/>
                   </a:solidFill>
@@ -7348,7 +6487,39 @@
                 </a:rPr>
                 <a:t>[float, e.g. 30.232]</a:t>
               </a:r>
-              <a:endParaRPr lang="en-US" sz="1400" dirty="0">
+            </a:p>
+            <a:p>
+              <a:r>
+                <a:rPr lang="en-US" sz="1000" dirty="0" err="1">
+                  <a:solidFill>
+                    <a:schemeClr val="tx1"/>
+                  </a:solidFill>
+                  <a:latin typeface="Consolas" panose="020B0609020204030204" pitchFamily="49" charset="0"/>
+                  <a:cs typeface="Consolas" panose="020B0609020204030204" pitchFamily="49" charset="0"/>
+                </a:rPr>
+                <a:t>AddedON</a:t>
+              </a:r>
+              <a:r>
+                <a:rPr lang="en-US" sz="1000" dirty="0">
+                  <a:solidFill>
+                    <a:schemeClr val="tx1"/>
+                  </a:solidFill>
+                  <a:latin typeface="Consolas" panose="020B0609020204030204" pitchFamily="49" charset="0"/>
+                  <a:cs typeface="Consolas" panose="020B0609020204030204" pitchFamily="49" charset="0"/>
+                </a:rPr>
+                <a:t>		</a:t>
+              </a:r>
+              <a:r>
+                <a:rPr lang="en-US" sz="1000">
+                  <a:solidFill>
+                    <a:schemeClr val="tx1"/>
+                  </a:solidFill>
+                  <a:latin typeface="Consolas" panose="020B0609020204030204" pitchFamily="49" charset="0"/>
+                  <a:cs typeface="Consolas" panose="020B0609020204030204" pitchFamily="49" charset="0"/>
+                </a:rPr>
+                <a:t>	datetime</a:t>
+              </a:r>
+              <a:endParaRPr lang="en-US" sz="1000" dirty="0">
                 <a:solidFill>
                   <a:schemeClr val="tx1"/>
                 </a:solidFill>
@@ -7419,7 +6590,7 @@
             <a:p>
               <a:pPr algn="ctr"/>
               <a:r>
-                <a:rPr lang="en-US" sz="1200" dirty="0" err="1" smtClean="0">
+                <a:rPr lang="en-US" sz="1200" dirty="0" err="1">
                   <a:solidFill>
                     <a:schemeClr val="accent4">
                       <a:lumMod val="40000"/>
@@ -7432,7 +6603,7 @@
                 <a:t>self.</a:t>
               </a:r>
               <a:r>
-                <a:rPr lang="en-US" sz="1200" dirty="0" err="1" smtClean="0">
+                <a:rPr lang="en-US" sz="1200" dirty="0" err="1">
                   <a:solidFill>
                     <a:schemeClr val="bg1"/>
                   </a:solidFill>
@@ -7513,7 +6684,7 @@
           <a:lstStyle/>
           <a:p>
             <a:r>
-              <a:rPr lang="en-US" dirty="0" smtClean="0"/>
+              <a:rPr lang="en-US" dirty="0"/>
               <a:t>Software suggests predictors (aka resample intervals, e.g. 1978-02-01/P1M Average), but users can fully specify them</a:t>
             </a:r>
           </a:p>
@@ -7542,7 +6713,7 @@
           <a:lstStyle/>
           <a:p>
             <a:r>
-              <a:rPr lang="en-US" dirty="0" smtClean="0"/>
+              <a:rPr lang="en-US" dirty="0"/>
               <a:t>Users specify the forecast equation they are trying to create (e.g. 1978-04-01/P4M-Accumulation)</a:t>
             </a:r>
           </a:p>
@@ -7601,7 +6772,7 @@
           <a:lstStyle/>
           <a:p>
             <a:r>
-              <a:rPr lang="en-US" sz="2000" b="1" dirty="0" err="1" smtClean="0">
+              <a:rPr lang="en-US" sz="2000" b="1" dirty="0" err="1">
                 <a:solidFill>
                   <a:schemeClr val="tx2"/>
                 </a:solidFill>
@@ -7609,7 +6780,7 @@
               <a:t>NextFlow</a:t>
             </a:r>
             <a:r>
-              <a:rPr lang="en-US" sz="2000" b="1" dirty="0" smtClean="0">
+              <a:rPr lang="en-US" sz="2000" b="1" dirty="0">
                 <a:solidFill>
                   <a:schemeClr val="tx2"/>
                 </a:solidFill>
@@ -7743,27 +6914,7 @@
                   <a:latin typeface="Consolas" panose="020B0609020204030204" pitchFamily="49" charset="0"/>
                   <a:cs typeface="Consolas" panose="020B0609020204030204" pitchFamily="49" charset="0"/>
                 </a:rPr>
-                <a:t> 	</a:t>
-              </a:r>
-              <a:r>
-                <a:rPr lang="en-US" sz="1000" dirty="0" smtClean="0">
-                  <a:solidFill>
-                    <a:schemeClr val="tx1"/>
-                  </a:solidFill>
-                  <a:latin typeface="Consolas" panose="020B0609020204030204" pitchFamily="49" charset="0"/>
-                  <a:cs typeface="Consolas" panose="020B0609020204030204" pitchFamily="49" charset="0"/>
-                </a:rPr>
-                <a:t>[</a:t>
-              </a:r>
-              <a:r>
-                <a:rPr lang="en-US" sz="1000" dirty="0">
-                  <a:solidFill>
-                    <a:schemeClr val="tx1"/>
-                  </a:solidFill>
-                  <a:latin typeface="Consolas" panose="020B0609020204030204" pitchFamily="49" charset="0"/>
-                  <a:cs typeface="Consolas" panose="020B0609020204030204" pitchFamily="49" charset="0"/>
-                </a:rPr>
-                <a:t>string, e.g. ‘06025500’]</a:t>
+                <a:t> 	[string, e.g. ‘06025500’]</a:t>
               </a:r>
             </a:p>
             <a:p>
@@ -7807,27 +6958,7 @@
                   <a:latin typeface="Consolas" panose="020B0609020204030204" pitchFamily="49" charset="0"/>
                   <a:cs typeface="Consolas" panose="020B0609020204030204" pitchFamily="49" charset="0"/>
                 </a:rPr>
-                <a:t> 	</a:t>
-              </a:r>
-              <a:r>
-                <a:rPr lang="en-US" sz="1000" dirty="0" smtClean="0">
-                  <a:solidFill>
-                    <a:schemeClr val="tx1"/>
-                  </a:solidFill>
-                  <a:latin typeface="Consolas" panose="020B0609020204030204" pitchFamily="49" charset="0"/>
-                  <a:cs typeface="Consolas" panose="020B0609020204030204" pitchFamily="49" charset="0"/>
-                </a:rPr>
-                <a:t>[</a:t>
-              </a:r>
-              <a:r>
-                <a:rPr lang="en-US" sz="1000" dirty="0">
-                  <a:solidFill>
-                    <a:schemeClr val="tx1"/>
-                  </a:solidFill>
-                  <a:latin typeface="Consolas" panose="020B0609020204030204" pitchFamily="49" charset="0"/>
-                  <a:cs typeface="Consolas" panose="020B0609020204030204" pitchFamily="49" charset="0"/>
-                </a:rPr>
-                <a:t>string, e.g. ‘USGS’]</a:t>
+                <a:t> 	[string, e.g. ‘USGS’]</a:t>
               </a:r>
             </a:p>
             <a:p>
@@ -7849,27 +6980,7 @@
                   <a:latin typeface="Consolas" panose="020B0609020204030204" pitchFamily="49" charset="0"/>
                   <a:cs typeface="Consolas" panose="020B0609020204030204" pitchFamily="49" charset="0"/>
                 </a:rPr>
-                <a:t> 	</a:t>
-              </a:r>
-              <a:r>
-                <a:rPr lang="en-US" sz="1000" dirty="0" smtClean="0">
-                  <a:solidFill>
-                    <a:schemeClr val="tx1"/>
-                  </a:solidFill>
-                  <a:latin typeface="Consolas" panose="020B0609020204030204" pitchFamily="49" charset="0"/>
-                  <a:cs typeface="Consolas" panose="020B0609020204030204" pitchFamily="49" charset="0"/>
-                </a:rPr>
-                <a:t>[</a:t>
-              </a:r>
-              <a:r>
-                <a:rPr lang="en-US" sz="1000" dirty="0">
-                  <a:solidFill>
-                    <a:schemeClr val="tx1"/>
-                  </a:solidFill>
-                  <a:latin typeface="Consolas" panose="020B0609020204030204" pitchFamily="49" charset="0"/>
-                  <a:cs typeface="Consolas" panose="020B0609020204030204" pitchFamily="49" charset="0"/>
-                </a:rPr>
-                <a:t>string, e.g. ‘Streamflow’]</a:t>
+                <a:t> 	[string, e.g. ‘Streamflow’]</a:t>
               </a:r>
             </a:p>
             <a:p>
@@ -7935,27 +7046,7 @@
                   <a:latin typeface="Consolas" panose="020B0609020204030204" pitchFamily="49" charset="0"/>
                   <a:cs typeface="Consolas" panose="020B0609020204030204" pitchFamily="49" charset="0"/>
                 </a:rPr>
-                <a:t> 	</a:t>
-              </a:r>
-              <a:r>
-                <a:rPr lang="en-US" sz="1000" dirty="0" smtClean="0">
-                  <a:solidFill>
-                    <a:schemeClr val="tx1"/>
-                  </a:solidFill>
-                  <a:latin typeface="Consolas" panose="020B0609020204030204" pitchFamily="49" charset="0"/>
-                  <a:cs typeface="Consolas" panose="020B0609020204030204" pitchFamily="49" charset="0"/>
-                </a:rPr>
-                <a:t>[</a:t>
-              </a:r>
-              <a:r>
-                <a:rPr lang="en-US" sz="1000" dirty="0">
-                  <a:solidFill>
-                    <a:schemeClr val="tx1"/>
-                  </a:solidFill>
-                  <a:latin typeface="Consolas" panose="020B0609020204030204" pitchFamily="49" charset="0"/>
-                  <a:cs typeface="Consolas" panose="020B0609020204030204" pitchFamily="49" charset="0"/>
-                </a:rPr>
-                <a:t>string, e.g. ‘USGS_NWIS’]</a:t>
+                <a:t> 	[string, e.g. ‘USGS_NWIS’]</a:t>
               </a:r>
             </a:p>
             <a:p>
@@ -7999,27 +7090,7 @@
                   <a:latin typeface="Consolas" panose="020B0609020204030204" pitchFamily="49" charset="0"/>
                   <a:cs typeface="Consolas" panose="020B0609020204030204" pitchFamily="49" charset="0"/>
                 </a:rPr>
-                <a:t> 	</a:t>
-              </a:r>
-              <a:r>
-                <a:rPr lang="en-US" sz="1000" dirty="0" smtClean="0">
-                  <a:solidFill>
-                    <a:schemeClr val="tx1"/>
-                  </a:solidFill>
-                  <a:latin typeface="Consolas" panose="020B0609020204030204" pitchFamily="49" charset="0"/>
-                  <a:cs typeface="Consolas" panose="020B0609020204030204" pitchFamily="49" charset="0"/>
-                </a:rPr>
-                <a:t>[</a:t>
-              </a:r>
-              <a:r>
-                <a:rPr lang="en-US" sz="1000" dirty="0">
-                  <a:solidFill>
-                    <a:schemeClr val="tx1"/>
-                  </a:solidFill>
-                  <a:latin typeface="Consolas" panose="020B0609020204030204" pitchFamily="49" charset="0"/>
-                  <a:cs typeface="Consolas" panose="020B0609020204030204" pitchFamily="49" charset="0"/>
-                </a:rPr>
-                <a:t>float, e.g. 41.1142]</a:t>
+                <a:t> 	[float, e.g. 41.1142]</a:t>
               </a:r>
             </a:p>
             <a:p>
@@ -8041,27 +7112,7 @@
                   <a:latin typeface="Consolas" panose="020B0609020204030204" pitchFamily="49" charset="0"/>
                   <a:cs typeface="Consolas" panose="020B0609020204030204" pitchFamily="49" charset="0"/>
                 </a:rPr>
-                <a:t> 	</a:t>
-              </a:r>
-              <a:r>
-                <a:rPr lang="en-US" sz="1000" dirty="0" smtClean="0">
-                  <a:solidFill>
-                    <a:schemeClr val="tx1"/>
-                  </a:solidFill>
-                  <a:latin typeface="Consolas" panose="020B0609020204030204" pitchFamily="49" charset="0"/>
-                  <a:cs typeface="Consolas" panose="020B0609020204030204" pitchFamily="49" charset="0"/>
-                </a:rPr>
-                <a:t>[</a:t>
-              </a:r>
-              <a:r>
-                <a:rPr lang="en-US" sz="1000" dirty="0">
-                  <a:solidFill>
-                    <a:schemeClr val="tx1"/>
-                  </a:solidFill>
-                  <a:latin typeface="Consolas" panose="020B0609020204030204" pitchFamily="49" charset="0"/>
-                  <a:cs typeface="Consolas" panose="020B0609020204030204" pitchFamily="49" charset="0"/>
-                </a:rPr>
-                <a:t>float, e.g. -112.324]</a:t>
+                <a:t> 	[float, e.g. -112.324]</a:t>
               </a:r>
             </a:p>
             <a:p>
@@ -8083,27 +7134,7 @@
                   <a:latin typeface="Consolas" panose="020B0609020204030204" pitchFamily="49" charset="0"/>
                   <a:cs typeface="Consolas" panose="020B0609020204030204" pitchFamily="49" charset="0"/>
                 </a:rPr>
-                <a:t> 	</a:t>
-              </a:r>
-              <a:r>
-                <a:rPr lang="en-US" sz="1000" dirty="0" smtClean="0">
-                  <a:solidFill>
-                    <a:schemeClr val="tx1"/>
-                  </a:solidFill>
-                  <a:latin typeface="Consolas" panose="020B0609020204030204" pitchFamily="49" charset="0"/>
-                  <a:cs typeface="Consolas" panose="020B0609020204030204" pitchFamily="49" charset="0"/>
-                </a:rPr>
-                <a:t>[</a:t>
-              </a:r>
-              <a:r>
-                <a:rPr lang="en-US" sz="1000" dirty="0">
-                  <a:solidFill>
-                    <a:schemeClr val="tx1"/>
-                  </a:solidFill>
-                  <a:latin typeface="Consolas" panose="020B0609020204030204" pitchFamily="49" charset="0"/>
-                  <a:cs typeface="Consolas" panose="020B0609020204030204" pitchFamily="49" charset="0"/>
-                </a:rPr>
-                <a:t>float, e.g. 1923.2]</a:t>
+                <a:t> 	[float, e.g. 1923.2]</a:t>
               </a:r>
             </a:p>
             <a:p>
@@ -8125,27 +7156,7 @@
                   <a:latin typeface="Consolas" panose="020B0609020204030204" pitchFamily="49" charset="0"/>
                   <a:cs typeface="Consolas" panose="020B0609020204030204" pitchFamily="49" charset="0"/>
                 </a:rPr>
-                <a:t> 	</a:t>
-              </a:r>
-              <a:r>
-                <a:rPr lang="en-US" sz="1000" dirty="0" smtClean="0">
-                  <a:solidFill>
-                    <a:schemeClr val="tx1"/>
-                  </a:solidFill>
-                  <a:latin typeface="Consolas" panose="020B0609020204030204" pitchFamily="49" charset="0"/>
-                  <a:cs typeface="Consolas" panose="020B0609020204030204" pitchFamily="49" charset="0"/>
-                </a:rPr>
-                <a:t>[</a:t>
-              </a:r>
-              <a:r>
-                <a:rPr lang="en-US" sz="1000" dirty="0">
-                  <a:solidFill>
-                    <a:schemeClr val="tx1"/>
-                  </a:solidFill>
-                  <a:latin typeface="Consolas" panose="020B0609020204030204" pitchFamily="49" charset="0"/>
-                  <a:cs typeface="Consolas" panose="020B0609020204030204" pitchFamily="49" charset="0"/>
-                </a:rPr>
-                <a:t>datetime64, e.g. ‘2018-01-01’]</a:t>
+                <a:t> 	[datetime64, e.g. ‘2018-01-01’]</a:t>
               </a:r>
             </a:p>
             <a:p>
@@ -8167,27 +7178,7 @@
                   <a:latin typeface="Consolas" panose="020B0609020204030204" pitchFamily="49" charset="0"/>
                   <a:cs typeface="Consolas" panose="020B0609020204030204" pitchFamily="49" charset="0"/>
                 </a:rPr>
-                <a:t> 	</a:t>
-              </a:r>
-              <a:r>
-                <a:rPr lang="en-US" sz="1000" dirty="0" smtClean="0">
-                  <a:solidFill>
-                    <a:schemeClr val="tx1"/>
-                  </a:solidFill>
-                  <a:latin typeface="Consolas" panose="020B0609020204030204" pitchFamily="49" charset="0"/>
-                  <a:cs typeface="Consolas" panose="020B0609020204030204" pitchFamily="49" charset="0"/>
-                </a:rPr>
-                <a:t>[</a:t>
-              </a:r>
-              <a:r>
-                <a:rPr lang="en-US" sz="1000" dirty="0">
-                  <a:solidFill>
-                    <a:schemeClr val="tx1"/>
-                  </a:solidFill>
-                  <a:latin typeface="Consolas" panose="020B0609020204030204" pitchFamily="49" charset="0"/>
-                  <a:cs typeface="Consolas" panose="020B0609020204030204" pitchFamily="49" charset="0"/>
-                </a:rPr>
-                <a:t>datetime64, e.g. ‘2019-01-01’]</a:t>
+                <a:t> 	[datetime64, e.g. ‘2019-01-01’]</a:t>
               </a:r>
             </a:p>
             <a:p>
@@ -8209,27 +7200,7 @@
                   <a:latin typeface="Consolas" panose="020B0609020204030204" pitchFamily="49" charset="0"/>
                   <a:cs typeface="Consolas" panose="020B0609020204030204" pitchFamily="49" charset="0"/>
                 </a:rPr>
-                <a:t> </a:t>
-              </a:r>
-              <a:r>
-                <a:rPr lang="en-US" sz="1000" dirty="0" smtClean="0">
-                  <a:solidFill>
-                    <a:schemeClr val="tx1"/>
-                  </a:solidFill>
-                  <a:latin typeface="Consolas" panose="020B0609020204030204" pitchFamily="49" charset="0"/>
-                  <a:cs typeface="Consolas" panose="020B0609020204030204" pitchFamily="49" charset="0"/>
-                </a:rPr>
-                <a:t>	[</a:t>
-              </a:r>
-              <a:r>
-                <a:rPr lang="en-US" sz="1000" dirty="0">
-                  <a:solidFill>
-                    <a:schemeClr val="tx1"/>
-                  </a:solidFill>
-                  <a:latin typeface="Consolas" panose="020B0609020204030204" pitchFamily="49" charset="0"/>
-                  <a:cs typeface="Consolas" panose="020B0609020204030204" pitchFamily="49" charset="0"/>
-                </a:rPr>
-                <a:t>dict, e.g. {‘svr’:’ecao’}]</a:t>
+                <a:t> 	[dict, e.g. {‘svr’:’ecao’}]</a:t>
               </a:r>
             </a:p>
             <a:p>
@@ -8353,15 +7324,15 @@
           <a:lstStyle/>
           <a:p>
             <a:r>
-              <a:rPr lang="en-US" dirty="0" smtClean="0"/>
+              <a:rPr lang="en-US" dirty="0"/>
               <a:t>User identifies datasets on datasets tab. Datasets are stored in </a:t>
             </a:r>
             <a:r>
-              <a:rPr lang="en-US" dirty="0" err="1" smtClean="0"/>
+              <a:rPr lang="en-US" dirty="0" err="1"/>
               <a:t>datasetTable</a:t>
             </a:r>
             <a:r>
-              <a:rPr lang="en-US" dirty="0" smtClean="0"/>
+              <a:rPr lang="en-US" dirty="0"/>
               <a:t>.</a:t>
             </a:r>
           </a:p>
@@ -8428,14 +7399,14 @@
           <a:lstStyle/>
           <a:p>
             <a:r>
-              <a:rPr lang="en-US" dirty="0" smtClean="0"/>
+              <a:rPr lang="en-US" dirty="0"/>
               <a:t>User downloads data for datasets. Downloaded data is stored in </a:t>
             </a:r>
             <a:r>
-              <a:rPr lang="en-US" dirty="0" err="1" smtClean="0"/>
+              <a:rPr lang="en-US" dirty="0" err="1"/>
               <a:t>datatable</a:t>
             </a:r>
-            <a:endParaRPr lang="en-US" dirty="0" smtClean="0"/>
+            <a:endParaRPr lang="en-US" dirty="0"/>
           </a:p>
         </p:txBody>
       </p:sp>
@@ -8509,20 +7480,10 @@
                   <a:latin typeface="Consolas" panose="020B0609020204030204" pitchFamily="49" charset="0"/>
                   <a:cs typeface="Consolas" panose="020B0609020204030204" pitchFamily="49" charset="0"/>
                 </a:rPr>
-                <a:t>(</a:t>
-              </a:r>
-              <a:r>
-                <a:rPr lang="en-US" sz="1000" b="1" dirty="0" smtClean="0">
-                  <a:solidFill>
-                    <a:schemeClr val="tx1"/>
-                  </a:solidFill>
-                  <a:latin typeface="Consolas" panose="020B0609020204030204" pitchFamily="49" charset="0"/>
-                  <a:cs typeface="Consolas" panose="020B0609020204030204" pitchFamily="49" charset="0"/>
-                </a:rPr>
-                <a:t>IDX) </a:t>
-              </a:r>
-              <a:r>
-                <a:rPr lang="en-US" sz="1000" b="1" dirty="0" err="1" smtClean="0">
+                <a:t>(IDX) </a:t>
+              </a:r>
+              <a:r>
+                <a:rPr lang="en-US" sz="1000" b="1" dirty="0" err="1">
                   <a:solidFill>
                     <a:schemeClr val="tx1"/>
                   </a:solidFill>
@@ -8532,7 +7493,7 @@
                 <a:t>Datetime</a:t>
               </a:r>
               <a:r>
-                <a:rPr lang="en-US" sz="1000" b="1" dirty="0" smtClean="0">
+                <a:rPr lang="en-US" sz="1000" b="1" dirty="0">
                   <a:solidFill>
                     <a:schemeClr val="tx1"/>
                   </a:solidFill>
@@ -8542,7 +7503,7 @@
                 <a:t>		</a:t>
               </a:r>
               <a:r>
-                <a:rPr lang="en-US" sz="1000" dirty="0" smtClean="0">
+                <a:rPr lang="en-US" sz="1000" dirty="0">
                   <a:solidFill>
                     <a:schemeClr val="tx1"/>
                   </a:solidFill>
@@ -8551,7 +7512,7 @@
                 </a:rPr>
                 <a:t>[datetime64, e.g. ‘2018-10-01’]</a:t>
               </a:r>
-              <a:endParaRPr lang="en-US" sz="1000" b="1" dirty="0" smtClean="0">
+              <a:endParaRPr lang="en-US" sz="1000" b="1" dirty="0">
                 <a:solidFill>
                   <a:schemeClr val="tx1"/>
                 </a:solidFill>
@@ -8561,7 +7522,7 @@
             </a:p>
             <a:p>
               <a:r>
-                <a:rPr lang="en-US" sz="1000" b="1" dirty="0" smtClean="0">
+                <a:rPr lang="en-US" sz="1000" b="1" dirty="0">
                   <a:solidFill>
                     <a:schemeClr val="tx1"/>
                   </a:solidFill>
@@ -8571,7 +7532,7 @@
                 <a:t>(IDX) DatasetInternalID {FK}	</a:t>
               </a:r>
               <a:r>
-                <a:rPr lang="en-US" sz="1000" dirty="0" smtClean="0">
+                <a:rPr lang="en-US" sz="1000" dirty="0">
                   <a:solidFill>
                     <a:schemeClr val="tx1"/>
                   </a:solidFill>
@@ -8580,7 +7541,7 @@
                 </a:rPr>
                 <a:t>[integer, e.g. 100302]</a:t>
               </a:r>
-              <a:endParaRPr lang="en-US" sz="1000" b="1" dirty="0" smtClean="0">
+              <a:endParaRPr lang="en-US" sz="1000" b="1" dirty="0">
                 <a:solidFill>
                   <a:schemeClr val="tx1"/>
                 </a:solidFill>
@@ -8590,7 +7551,7 @@
             </a:p>
             <a:p>
               <a:r>
-                <a:rPr lang="en-US" sz="1000" b="1" dirty="0" err="1" smtClean="0">
+                <a:rPr lang="en-US" sz="1000" b="1" dirty="0" err="1">
                   <a:solidFill>
                     <a:schemeClr val="tx1"/>
                   </a:solidFill>
@@ -8600,7 +7561,7 @@
                 <a:t>EditFlag</a:t>
               </a:r>
               <a:r>
-                <a:rPr lang="en-US" sz="1000" b="1" dirty="0" smtClean="0">
+                <a:rPr lang="en-US" sz="1000" b="1" dirty="0">
                   <a:solidFill>
                     <a:schemeClr val="tx1"/>
                   </a:solidFill>
@@ -8610,7 +7571,7 @@
                 <a:t>			</a:t>
               </a:r>
               <a:r>
-                <a:rPr lang="en-US" sz="1000" dirty="0" smtClean="0">
+                <a:rPr lang="en-US" sz="1000" dirty="0">
                   <a:solidFill>
                     <a:schemeClr val="tx1"/>
                   </a:solidFill>
@@ -8619,7 +7580,7 @@
                 </a:rPr>
                 <a:t>[bool, e.g. True/False]</a:t>
               </a:r>
-              <a:endParaRPr lang="en-US" sz="1000" b="1" dirty="0" smtClean="0">
+              <a:endParaRPr lang="en-US" sz="1000" b="1" dirty="0">
                 <a:solidFill>
                   <a:schemeClr val="tx1"/>
                 </a:solidFill>
@@ -8629,7 +7590,7 @@
             </a:p>
             <a:p>
               <a:r>
-                <a:rPr lang="en-US" sz="1000" b="1" dirty="0" smtClean="0">
+                <a:rPr lang="en-US" sz="1000" b="1" dirty="0">
                   <a:solidFill>
                     <a:schemeClr val="tx1"/>
                   </a:solidFill>
@@ -8639,7 +7600,7 @@
                 <a:t>Value			</a:t>
               </a:r>
               <a:r>
-                <a:rPr lang="en-US" sz="1000" dirty="0" smtClean="0">
+                <a:rPr lang="en-US" sz="1000" dirty="0">
                   <a:solidFill>
                     <a:schemeClr val="tx1"/>
                   </a:solidFill>
@@ -8719,7 +7680,7 @@
             <a:p>
               <a:pPr algn="ctr"/>
               <a:r>
-                <a:rPr lang="en-US" sz="1200" dirty="0" err="1" smtClean="0">
+                <a:rPr lang="en-US" sz="1200" dirty="0" err="1">
                   <a:solidFill>
                     <a:schemeClr val="accent4">
                       <a:lumMod val="40000"/>
@@ -8732,7 +7693,7 @@
                 <a:t>self.</a:t>
               </a:r>
               <a:r>
-                <a:rPr lang="en-US" sz="1200" dirty="0" err="1" smtClean="0">
+                <a:rPr lang="en-US" sz="1200" dirty="0" err="1">
                   <a:solidFill>
                     <a:schemeClr val="bg1"/>
                   </a:solidFill>
@@ -8813,7 +7774,7 @@
           <a:lstStyle/>
           <a:p>
             <a:r>
-              <a:rPr lang="en-US" dirty="0" smtClean="0"/>
+              <a:rPr lang="en-US" dirty="0"/>
               <a:t>Software suggests predictors (aka resample intervals, e.g. 1978-02-01/P1M Average), but users can fully specify them</a:t>
             </a:r>
           </a:p>
@@ -8842,7 +7803,7 @@
           <a:lstStyle/>
           <a:p>
             <a:r>
-              <a:rPr lang="en-US" dirty="0" smtClean="0"/>
+              <a:rPr lang="en-US" dirty="0"/>
               <a:t>Users specify the forecast equation they are trying to create (e.g. 1978-04-01/P4M-Accumulation)</a:t>
             </a:r>
           </a:p>
@@ -8909,7 +7870,7 @@
           <a:lstStyle/>
           <a:p>
             <a:r>
-              <a:rPr lang="en-US" dirty="0" smtClean="0"/>
+              <a:rPr lang="en-US" dirty="0"/>
               <a:t>Regression Algorithms</a:t>
             </a:r>
           </a:p>
@@ -8985,20 +7946,10 @@
                   <a:latin typeface="Consolas" panose="020B0609020204030204" pitchFamily="49" charset="0"/>
                   <a:cs typeface="Consolas" panose="020B0609020204030204" pitchFamily="49" charset="0"/>
                 </a:rPr>
-                <a:t>(</a:t>
-              </a:r>
-              <a:r>
-                <a:rPr lang="en-US" sz="1000" b="1" dirty="0" smtClean="0">
-                  <a:solidFill>
-                    <a:schemeClr val="tx1"/>
-                  </a:solidFill>
-                  <a:latin typeface="Consolas" panose="020B0609020204030204" pitchFamily="49" charset="0"/>
-                  <a:cs typeface="Consolas" panose="020B0609020204030204" pitchFamily="49" charset="0"/>
-                </a:rPr>
-                <a:t>IDX) </a:t>
-              </a:r>
-              <a:r>
-                <a:rPr lang="en-US" sz="1000" b="1" dirty="0" err="1" smtClean="0">
+                <a:t>(IDX) </a:t>
+              </a:r>
+              <a:r>
+                <a:rPr lang="en-US" sz="1000" b="1" dirty="0" err="1">
                   <a:solidFill>
                     <a:schemeClr val="tx1"/>
                   </a:solidFill>
@@ -9008,7 +7959,7 @@
                 <a:t>ModelRunID</a:t>
               </a:r>
               <a:r>
-                <a:rPr lang="en-US" sz="1000" b="1" dirty="0" smtClean="0">
+                <a:rPr lang="en-US" sz="1000" b="1" dirty="0">
                   <a:solidFill>
                     <a:schemeClr val="tx1"/>
                   </a:solidFill>
@@ -9018,39 +7969,19 @@
                 <a:t>		</a:t>
               </a:r>
               <a:r>
-                <a:rPr lang="en-US" sz="1000" dirty="0" smtClean="0">
-                  <a:solidFill>
-                    <a:schemeClr val="tx1"/>
-                  </a:solidFill>
-                  <a:latin typeface="Consolas" panose="020B0609020204030204" pitchFamily="49" charset="0"/>
-                  <a:cs typeface="Consolas" panose="020B0609020204030204" pitchFamily="49" charset="0"/>
-                </a:rPr>
-                <a:t>[integer, e.g</a:t>
-              </a:r>
-              <a:r>
-                <a:rPr lang="en-US" sz="1000" dirty="0">
-                  <a:solidFill>
-                    <a:schemeClr val="tx1"/>
-                  </a:solidFill>
-                  <a:latin typeface="Consolas" panose="020B0609020204030204" pitchFamily="49" charset="0"/>
-                  <a:cs typeface="Consolas" panose="020B0609020204030204" pitchFamily="49" charset="0"/>
-                </a:rPr>
-                <a:t>.</a:t>
-              </a:r>
-              <a:r>
-                <a:rPr lang="en-US" sz="1000" dirty="0" smtClean="0">
-                  <a:solidFill>
-                    <a:schemeClr val="tx1"/>
-                  </a:solidFill>
-                  <a:latin typeface="Consolas" panose="020B0609020204030204" pitchFamily="49" charset="0"/>
-                  <a:cs typeface="Consolas" panose="020B0609020204030204" pitchFamily="49" charset="0"/>
-                </a:rPr>
-                <a:t> 1020304]</a:t>
-              </a:r>
-            </a:p>
-            <a:p>
-              <a:r>
-                <a:rPr lang="en-US" sz="1000" b="1" dirty="0" err="1" smtClean="0">
+                <a:rPr lang="en-US" sz="1000" dirty="0">
+                  <a:solidFill>
+                    <a:schemeClr val="tx1"/>
+                  </a:solidFill>
+                  <a:latin typeface="Consolas" panose="020B0609020204030204" pitchFamily="49" charset="0"/>
+                  <a:cs typeface="Consolas" panose="020B0609020204030204" pitchFamily="49" charset="0"/>
+                </a:rPr>
+                <a:t>[integer, e.g. 1020304]</a:t>
+              </a:r>
+            </a:p>
+            <a:p>
+              <a:r>
+                <a:rPr lang="en-US" sz="1000" b="1" dirty="0" err="1">
                   <a:solidFill>
                     <a:schemeClr val="tx1"/>
                   </a:solidFill>
@@ -9060,7 +7991,7 @@
                 <a:t>Predictand</a:t>
               </a:r>
               <a:r>
-                <a:rPr lang="en-US" sz="1000" b="1" dirty="0" smtClean="0">
+                <a:rPr lang="en-US" sz="1000" b="1" dirty="0">
                   <a:solidFill>
                     <a:schemeClr val="tx1"/>
                   </a:solidFill>
@@ -9070,56 +8001,70 @@
                 <a:t> {FK}		</a:t>
               </a:r>
               <a:r>
-                <a:rPr lang="en-US" sz="1000" dirty="0" smtClean="0">
-                  <a:solidFill>
-                    <a:schemeClr val="tx1"/>
-                  </a:solidFill>
-                  <a:latin typeface="Consolas" panose="020B0609020204030204" pitchFamily="49" charset="0"/>
-                  <a:cs typeface="Consolas" panose="020B0609020204030204" pitchFamily="49" charset="0"/>
-                </a:rPr>
-                <a:t>[</a:t>
-              </a:r>
-              <a:r>
-                <a:rPr lang="en-US" sz="1000" dirty="0" smtClean="0">
-                  <a:solidFill>
-                    <a:schemeClr val="tx1"/>
-                  </a:solidFill>
-                  <a:latin typeface="Consolas" panose="020B0609020204030204" pitchFamily="49" charset="0"/>
-                  <a:cs typeface="Consolas" panose="020B0609020204030204" pitchFamily="49" charset="0"/>
-                </a:rPr>
-                <a:t>list of integers</a:t>
-              </a:r>
-              <a:r>
-                <a:rPr lang="en-US" sz="1000" dirty="0" smtClean="0">
-                  <a:solidFill>
-                    <a:schemeClr val="tx1"/>
-                  </a:solidFill>
-                  <a:latin typeface="Consolas" panose="020B0609020204030204" pitchFamily="49" charset="0"/>
-                  <a:cs typeface="Consolas" panose="020B0609020204030204" pitchFamily="49" charset="0"/>
-                </a:rPr>
-                <a:t>, </a:t>
-              </a:r>
-              <a:r>
-                <a:rPr lang="en-US" sz="1000" dirty="0" smtClean="0">
-                  <a:solidFill>
-                    <a:schemeClr val="tx1"/>
-                  </a:solidFill>
-                  <a:latin typeface="Consolas" panose="020B0609020204030204" pitchFamily="49" charset="0"/>
-                  <a:cs typeface="Consolas" panose="020B0609020204030204" pitchFamily="49" charset="0"/>
-                </a:rPr>
-                <a:t>e.g. </a:t>
-              </a:r>
-              <a:r>
-                <a:rPr lang="en-US" sz="1000" smtClean="0">
-                  <a:solidFill>
-                    <a:schemeClr val="tx1"/>
-                  </a:solidFill>
-                  <a:latin typeface="Consolas" panose="020B0609020204030204" pitchFamily="49" charset="0"/>
-                  <a:cs typeface="Consolas" panose="020B0609020204030204" pitchFamily="49" charset="0"/>
-                </a:rPr>
-                <a:t>[100323]]</a:t>
-              </a:r>
-              <a:endParaRPr lang="en-US" sz="1000" dirty="0" smtClean="0">
+                <a:rPr lang="en-US" sz="1000" dirty="0">
+                  <a:solidFill>
+                    <a:schemeClr val="tx1"/>
+                  </a:solidFill>
+                  <a:latin typeface="Consolas" panose="020B0609020204030204" pitchFamily="49" charset="0"/>
+                  <a:cs typeface="Consolas" panose="020B0609020204030204" pitchFamily="49" charset="0"/>
+                </a:rPr>
+                <a:t>[list of integers, e.g. [100323]]</a:t>
+              </a:r>
+            </a:p>
+            <a:p>
+              <a:r>
+                <a:rPr lang="en-US" sz="1000" b="1" dirty="0" err="1">
+                  <a:solidFill>
+                    <a:schemeClr val="tx1"/>
+                  </a:solidFill>
+                  <a:latin typeface="Consolas" panose="020B0609020204030204" pitchFamily="49" charset="0"/>
+                  <a:cs typeface="Consolas" panose="020B0609020204030204" pitchFamily="49" charset="0"/>
+                </a:rPr>
+                <a:t>PredictanOperators</a:t>
+              </a:r>
+              <a:r>
+                <a:rPr lang="en-US" sz="1000" b="1" dirty="0">
+                  <a:solidFill>
+                    <a:schemeClr val="tx1"/>
+                  </a:solidFill>
+                  <a:latin typeface="Consolas" panose="020B0609020204030204" pitchFamily="49" charset="0"/>
+                  <a:cs typeface="Consolas" panose="020B0609020204030204" pitchFamily="49" charset="0"/>
+                </a:rPr>
+                <a:t>		[list of ops, e.g. [+, -, +]]</a:t>
+              </a:r>
+            </a:p>
+            <a:p>
+              <a:r>
+                <a:rPr lang="en-US" sz="1000" b="1" dirty="0" err="1">
+                  <a:solidFill>
+                    <a:schemeClr val="tx1"/>
+                  </a:solidFill>
+                  <a:latin typeface="Consolas" panose="020B0609020204030204" pitchFamily="49" charset="0"/>
+                  <a:cs typeface="Consolas" panose="020B0609020204030204" pitchFamily="49" charset="0"/>
+                </a:rPr>
+                <a:t>PredictandPeriod</a:t>
+              </a:r>
+              <a:r>
+                <a:rPr lang="en-US" sz="1000" b="1" dirty="0">
+                  <a:solidFill>
+                    <a:schemeClr val="tx1"/>
+                  </a:solidFill>
+                  <a:latin typeface="Consolas" panose="020B0609020204030204" pitchFamily="49" charset="0"/>
+                  <a:cs typeface="Consolas" panose="020B0609020204030204" pitchFamily="49" charset="0"/>
+                </a:rPr>
+                <a:t>		</a:t>
+              </a:r>
+              <a:r>
+                <a:rPr lang="en-US" sz="1000" dirty="0">
+                  <a:solidFill>
+                    <a:schemeClr val="tx1"/>
+                  </a:solidFill>
+                  <a:latin typeface="Consolas" panose="020B0609020204030204" pitchFamily="49" charset="0"/>
+                  <a:cs typeface="Consolas" panose="020B0609020204030204" pitchFamily="49" charset="0"/>
+                </a:rPr>
+                <a:t>[string (ISO8601), e.g. ‘1978-04-01/P4M’]</a:t>
+              </a:r>
+              <a:endParaRPr lang="en-US" sz="1000" b="1" dirty="0">
                 <a:solidFill>
                   <a:schemeClr val="tx1"/>
                 </a:solidFill>
@@ -9129,26 +8074,36 @@
             </a:p>
             <a:p>
               <a:r>
-                <a:rPr lang="en-US" sz="1000" b="1" dirty="0" err="1" smtClean="0">
-                  <a:solidFill>
-                    <a:schemeClr val="tx1"/>
-                  </a:solidFill>
-                  <a:latin typeface="Consolas" panose="020B0609020204030204" pitchFamily="49" charset="0"/>
-                  <a:cs typeface="Consolas" panose="020B0609020204030204" pitchFamily="49" charset="0"/>
-                </a:rPr>
-                <a:t>PredictanOperators</a:t>
-              </a:r>
-              <a:r>
-                <a:rPr lang="en-US" sz="1000" b="1" dirty="0" smtClean="0">
-                  <a:solidFill>
-                    <a:schemeClr val="tx1"/>
-                  </a:solidFill>
-                  <a:latin typeface="Consolas" panose="020B0609020204030204" pitchFamily="49" charset="0"/>
-                  <a:cs typeface="Consolas" panose="020B0609020204030204" pitchFamily="49" charset="0"/>
-                </a:rPr>
-                <a:t>		[list of ops, e.g. [+, -, +]]</a:t>
-              </a:r>
-              <a:endParaRPr lang="en-US" sz="1000" b="1" dirty="0" smtClean="0">
+                <a:rPr lang="en-US" sz="1000" b="1" dirty="0" err="1">
+                  <a:solidFill>
+                    <a:schemeClr val="tx1"/>
+                  </a:solidFill>
+                  <a:latin typeface="Consolas" panose="020B0609020204030204" pitchFamily="49" charset="0"/>
+                  <a:cs typeface="Consolas" panose="020B0609020204030204" pitchFamily="49" charset="0"/>
+                </a:rPr>
+                <a:t>PredictandMethod</a:t>
+              </a:r>
+              <a:r>
+                <a:rPr lang="en-US" sz="1000" b="1" dirty="0">
+                  <a:solidFill>
+                    <a:schemeClr val="tx1"/>
+                  </a:solidFill>
+                  <a:latin typeface="Consolas" panose="020B0609020204030204" pitchFamily="49" charset="0"/>
+                  <a:cs typeface="Consolas" panose="020B0609020204030204" pitchFamily="49" charset="0"/>
+                </a:rPr>
+                <a:t>		</a:t>
+              </a:r>
+              <a:r>
+                <a:rPr lang="en-US" sz="1000" dirty="0">
+                  <a:solidFill>
+                    <a:schemeClr val="tx1"/>
+                  </a:solidFill>
+                  <a:latin typeface="Consolas" panose="020B0609020204030204" pitchFamily="49" charset="0"/>
+                  <a:cs typeface="Consolas" panose="020B0609020204030204" pitchFamily="49" charset="0"/>
+                </a:rPr>
+                <a:t>[string, e.g. ‘Accumulation’]</a:t>
+              </a:r>
+              <a:endParaRPr lang="en-US" sz="1000" b="1" dirty="0">
                 <a:solidFill>
                   <a:schemeClr val="tx1"/>
                 </a:solidFill>
@@ -9158,17 +8113,71 @@
             </a:p>
             <a:p>
               <a:r>
-                <a:rPr lang="en-US" sz="1000" b="1" dirty="0" err="1" smtClean="0">
-                  <a:solidFill>
-                    <a:schemeClr val="tx1"/>
-                  </a:solidFill>
-                  <a:latin typeface="Consolas" panose="020B0609020204030204" pitchFamily="49" charset="0"/>
-                  <a:cs typeface="Consolas" panose="020B0609020204030204" pitchFamily="49" charset="0"/>
-                </a:rPr>
-                <a:t>PredictandPeriod</a:t>
-              </a:r>
-              <a:r>
-                <a:rPr lang="en-US" sz="1000" b="1" dirty="0" smtClean="0">
+                <a:rPr lang="en-US" sz="1000" b="1" dirty="0" err="1">
+                  <a:solidFill>
+                    <a:schemeClr val="tx1"/>
+                  </a:solidFill>
+                  <a:latin typeface="Consolas" panose="020B0609020204030204" pitchFamily="49" charset="0"/>
+                  <a:cs typeface="Consolas" panose="020B0609020204030204" pitchFamily="49" charset="0"/>
+                </a:rPr>
+                <a:t>PredictorPool</a:t>
+              </a:r>
+              <a:r>
+                <a:rPr lang="en-US" sz="1000" b="1" dirty="0">
+                  <a:solidFill>
+                    <a:schemeClr val="tx1"/>
+                  </a:solidFill>
+                  <a:latin typeface="Consolas" panose="020B0609020204030204" pitchFamily="49" charset="0"/>
+                  <a:cs typeface="Consolas" panose="020B0609020204030204" pitchFamily="49" charset="0"/>
+                </a:rPr>
+                <a:t>	 {FK}		</a:t>
+              </a:r>
+              <a:r>
+                <a:rPr lang="en-US" sz="1000" dirty="0">
+                  <a:solidFill>
+                    <a:schemeClr val="tx1"/>
+                  </a:solidFill>
+                  <a:latin typeface="Consolas" panose="020B0609020204030204" pitchFamily="49" charset="0"/>
+                  <a:cs typeface="Consolas" panose="020B0609020204030204" pitchFamily="49" charset="0"/>
+                </a:rPr>
+                <a:t>[list, e.g. [100302, 100309, …]]</a:t>
+              </a:r>
+            </a:p>
+            <a:p>
+              <a:r>
+                <a:rPr lang="en-US" sz="1000" b="1" dirty="0" err="1">
+                  <a:solidFill>
+                    <a:schemeClr val="tx1"/>
+                  </a:solidFill>
+                  <a:latin typeface="Consolas" panose="020B0609020204030204" pitchFamily="49" charset="0"/>
+                  <a:cs typeface="Consolas" panose="020B0609020204030204" pitchFamily="49" charset="0"/>
+                </a:rPr>
+                <a:t>PredictorForceFlag</a:t>
+              </a:r>
+              <a:r>
+                <a:rPr lang="en-US" sz="1000" dirty="0">
+                  <a:solidFill>
+                    <a:schemeClr val="tx1"/>
+                  </a:solidFill>
+                  <a:latin typeface="Consolas" panose="020B0609020204030204" pitchFamily="49" charset="0"/>
+                  <a:cs typeface="Consolas" panose="020B0609020204030204" pitchFamily="49" charset="0"/>
+                </a:rPr>
+                <a:t>		[list, e.g. [False, False, True, …][</a:t>
+              </a:r>
+            </a:p>
+            <a:p>
+              <a:r>
+                <a:rPr lang="en-US" sz="1000" b="1" dirty="0" err="1">
+                  <a:solidFill>
+                    <a:schemeClr val="tx1"/>
+                  </a:solidFill>
+                  <a:latin typeface="Consolas" panose="020B0609020204030204" pitchFamily="49" charset="0"/>
+                  <a:cs typeface="Consolas" panose="020B0609020204030204" pitchFamily="49" charset="0"/>
+                </a:rPr>
+                <a:t>PredictorPeriods</a:t>
+              </a:r>
+              <a:r>
+                <a:rPr lang="en-US" sz="1000" b="1" dirty="0">
                   <a:solidFill>
                     <a:schemeClr val="tx1"/>
                   </a:solidFill>
@@ -9178,16 +8187,16 @@
                 <a:t>		</a:t>
               </a:r>
               <a:r>
-                <a:rPr lang="en-US" sz="1000" dirty="0" smtClean="0">
-                  <a:solidFill>
-                    <a:schemeClr val="tx1"/>
-                  </a:solidFill>
-                  <a:latin typeface="Consolas" panose="020B0609020204030204" pitchFamily="49" charset="0"/>
-                  <a:cs typeface="Consolas" panose="020B0609020204030204" pitchFamily="49" charset="0"/>
-                </a:rPr>
-                <a:t>[string (ISO8601), e.g. ‘1978-04-01/P4M’]</a:t>
-              </a:r>
-              <a:endParaRPr lang="en-US" sz="1000" b="1" dirty="0" smtClean="0">
+                <a:rPr lang="en-US" sz="1000" dirty="0">
+                  <a:solidFill>
+                    <a:schemeClr val="tx1"/>
+                  </a:solidFill>
+                  <a:latin typeface="Consolas" panose="020B0609020204030204" pitchFamily="49" charset="0"/>
+                  <a:cs typeface="Consolas" panose="020B0609020204030204" pitchFamily="49" charset="0"/>
+                </a:rPr>
+                <a:t>[list, e.g. [1978-02-01/P1M, 1977-10-01/P4M, ..]]</a:t>
+              </a:r>
+              <a:endParaRPr lang="en-US" sz="1000" b="1" dirty="0">
                 <a:solidFill>
                   <a:schemeClr val="tx1"/>
                 </a:solidFill>
@@ -9197,17 +8206,17 @@
             </a:p>
             <a:p>
               <a:r>
-                <a:rPr lang="en-US" sz="1000" b="1" dirty="0" err="1" smtClean="0">
-                  <a:solidFill>
-                    <a:schemeClr val="tx1"/>
-                  </a:solidFill>
-                  <a:latin typeface="Consolas" panose="020B0609020204030204" pitchFamily="49" charset="0"/>
-                  <a:cs typeface="Consolas" panose="020B0609020204030204" pitchFamily="49" charset="0"/>
-                </a:rPr>
-                <a:t>PredictandMethod</a:t>
-              </a:r>
-              <a:r>
-                <a:rPr lang="en-US" sz="1000" b="1" dirty="0" smtClean="0">
+                <a:rPr lang="en-US" sz="1000" b="1" dirty="0" err="1">
+                  <a:solidFill>
+                    <a:schemeClr val="tx1"/>
+                  </a:solidFill>
+                  <a:latin typeface="Consolas" panose="020B0609020204030204" pitchFamily="49" charset="0"/>
+                  <a:cs typeface="Consolas" panose="020B0609020204030204" pitchFamily="49" charset="0"/>
+                </a:rPr>
+                <a:t>PredictorMethods</a:t>
+              </a:r>
+              <a:r>
+                <a:rPr lang="en-US" sz="1000" b="1" dirty="0">
                   <a:solidFill>
                     <a:schemeClr val="tx1"/>
                   </a:solidFill>
@@ -9217,16 +8226,16 @@
                 <a:t>		</a:t>
               </a:r>
               <a:r>
-                <a:rPr lang="en-US" sz="1000" dirty="0" smtClean="0">
-                  <a:solidFill>
-                    <a:schemeClr val="tx1"/>
-                  </a:solidFill>
-                  <a:latin typeface="Consolas" panose="020B0609020204030204" pitchFamily="49" charset="0"/>
-                  <a:cs typeface="Consolas" panose="020B0609020204030204" pitchFamily="49" charset="0"/>
-                </a:rPr>
-                <a:t>[string, e.g. ‘Accumulation’]</a:t>
-              </a:r>
-              <a:endParaRPr lang="en-US" sz="1000" b="1" dirty="0" smtClean="0">
+                <a:rPr lang="en-US" sz="1000" dirty="0">
+                  <a:solidFill>
+                    <a:schemeClr val="tx1"/>
+                  </a:solidFill>
+                  <a:latin typeface="Consolas" panose="020B0609020204030204" pitchFamily="49" charset="0"/>
+                  <a:cs typeface="Consolas" panose="020B0609020204030204" pitchFamily="49" charset="0"/>
+                </a:rPr>
+                <a:t>[list, e.g. [Sample, Accumulation, …]</a:t>
+              </a:r>
+              <a:endParaRPr lang="en-US" sz="1000" b="1" dirty="0">
                 <a:solidFill>
                   <a:schemeClr val="tx1"/>
                 </a:solidFill>
@@ -9236,71 +8245,17 @@
             </a:p>
             <a:p>
               <a:r>
-                <a:rPr lang="en-US" sz="1000" b="1" dirty="0" err="1" smtClean="0">
-                  <a:solidFill>
-                    <a:schemeClr val="tx1"/>
-                  </a:solidFill>
-                  <a:latin typeface="Consolas" panose="020B0609020204030204" pitchFamily="49" charset="0"/>
-                  <a:cs typeface="Consolas" panose="020B0609020204030204" pitchFamily="49" charset="0"/>
-                </a:rPr>
-                <a:t>PredictorPool</a:t>
-              </a:r>
-              <a:r>
-                <a:rPr lang="en-US" sz="1000" b="1" dirty="0" smtClean="0">
-                  <a:solidFill>
-                    <a:schemeClr val="tx1"/>
-                  </a:solidFill>
-                  <a:latin typeface="Consolas" panose="020B0609020204030204" pitchFamily="49" charset="0"/>
-                  <a:cs typeface="Consolas" panose="020B0609020204030204" pitchFamily="49" charset="0"/>
-                </a:rPr>
-                <a:t>	 {FK}		</a:t>
-              </a:r>
-              <a:r>
-                <a:rPr lang="en-US" sz="1000" dirty="0" smtClean="0">
-                  <a:solidFill>
-                    <a:schemeClr val="tx1"/>
-                  </a:solidFill>
-                  <a:latin typeface="Consolas" panose="020B0609020204030204" pitchFamily="49" charset="0"/>
-                  <a:cs typeface="Consolas" panose="020B0609020204030204" pitchFamily="49" charset="0"/>
-                </a:rPr>
-                <a:t>[list, e.g. [100302, 100309, …]]</a:t>
-              </a:r>
-            </a:p>
-            <a:p>
-              <a:r>
-                <a:rPr lang="en-US" sz="1000" b="1" dirty="0" err="1" smtClean="0">
-                  <a:solidFill>
-                    <a:schemeClr val="tx1"/>
-                  </a:solidFill>
-                  <a:latin typeface="Consolas" panose="020B0609020204030204" pitchFamily="49" charset="0"/>
-                  <a:cs typeface="Consolas" panose="020B0609020204030204" pitchFamily="49" charset="0"/>
-                </a:rPr>
-                <a:t>PredictorForceFlag</a:t>
-              </a:r>
-              <a:r>
-                <a:rPr lang="en-US" sz="1000" dirty="0" smtClean="0">
-                  <a:solidFill>
-                    <a:schemeClr val="tx1"/>
-                  </a:solidFill>
-                  <a:latin typeface="Consolas" panose="020B0609020204030204" pitchFamily="49" charset="0"/>
-                  <a:cs typeface="Consolas" panose="020B0609020204030204" pitchFamily="49" charset="0"/>
-                </a:rPr>
-                <a:t>		[list, e.g. [False, False, True, …][</a:t>
-              </a:r>
-            </a:p>
-            <a:p>
-              <a:r>
-                <a:rPr lang="en-US" sz="1000" b="1" dirty="0" err="1" smtClean="0">
-                  <a:solidFill>
-                    <a:schemeClr val="tx1"/>
-                  </a:solidFill>
-                  <a:latin typeface="Consolas" panose="020B0609020204030204" pitchFamily="49" charset="0"/>
-                  <a:cs typeface="Consolas" panose="020B0609020204030204" pitchFamily="49" charset="0"/>
-                </a:rPr>
-                <a:t>PredictorPeriods</a:t>
-              </a:r>
-              <a:r>
-                <a:rPr lang="en-US" sz="1000" b="1" dirty="0" smtClean="0">
+                <a:rPr lang="en-US" sz="1000" b="1" dirty="0" err="1">
+                  <a:solidFill>
+                    <a:schemeClr val="tx1"/>
+                  </a:solidFill>
+                  <a:latin typeface="Consolas" panose="020B0609020204030204" pitchFamily="49" charset="0"/>
+                  <a:cs typeface="Consolas" panose="020B0609020204030204" pitchFamily="49" charset="0"/>
+                </a:rPr>
+                <a:t>RegressionType</a:t>
+              </a:r>
+              <a:r>
+                <a:rPr lang="en-US" sz="1000" b="1" dirty="0">
                   <a:solidFill>
                     <a:schemeClr val="tx1"/>
                   </a:solidFill>
@@ -9310,16 +8265,38 @@
                 <a:t>		</a:t>
               </a:r>
               <a:r>
-                <a:rPr lang="en-US" sz="1000" dirty="0" smtClean="0">
-                  <a:solidFill>
-                    <a:schemeClr val="tx1"/>
-                  </a:solidFill>
-                  <a:latin typeface="Consolas" panose="020B0609020204030204" pitchFamily="49" charset="0"/>
-                  <a:cs typeface="Consolas" panose="020B0609020204030204" pitchFamily="49" charset="0"/>
-                </a:rPr>
-                <a:t>[list, e.g. [1978-02-01/P1M, 1977-10-01/P4M, ..]]</a:t>
-              </a:r>
-              <a:endParaRPr lang="en-US" sz="1000" b="1" dirty="0" smtClean="0">
+                <a:rPr lang="en-US" sz="1000" dirty="0">
+                  <a:solidFill>
+                    <a:schemeClr val="tx1"/>
+                  </a:solidFill>
+                  <a:latin typeface="Consolas" panose="020B0609020204030204" pitchFamily="49" charset="0"/>
+                  <a:cs typeface="Consolas" panose="020B0609020204030204" pitchFamily="49" charset="0"/>
+                </a:rPr>
+                <a:t>[string, e.g. ‘Multiple Linear Regression’]</a:t>
+              </a:r>
+            </a:p>
+            <a:p>
+              <a:r>
+                <a:rPr lang="en-US" sz="1000" b="1" dirty="0" err="1">
+                  <a:solidFill>
+                    <a:schemeClr val="tx1"/>
+                  </a:solidFill>
+                  <a:latin typeface="Consolas" panose="020B0609020204030204" pitchFamily="49" charset="0"/>
+                  <a:cs typeface="Consolas" panose="020B0609020204030204" pitchFamily="49" charset="0"/>
+                </a:rPr>
+                <a:t>NumberOfEquations</a:t>
+              </a:r>
+              <a:r>
+                <a:rPr lang="en-US" sz="1000" dirty="0">
+                  <a:solidFill>
+                    <a:schemeClr val="tx1"/>
+                  </a:solidFill>
+                  <a:latin typeface="Consolas" panose="020B0609020204030204" pitchFamily="49" charset="0"/>
+                  <a:cs typeface="Consolas" panose="020B0609020204030204" pitchFamily="49" charset="0"/>
+                </a:rPr>
+                <a:t>		[integer, e.g. 25]</a:t>
+              </a:r>
+              <a:endParaRPr lang="en-US" sz="1400" dirty="0">
                 <a:solidFill>
                   <a:schemeClr val="tx1"/>
                 </a:solidFill>
@@ -9329,17 +8306,17 @@
             </a:p>
             <a:p>
               <a:r>
-                <a:rPr lang="en-US" sz="1000" b="1" dirty="0" err="1" smtClean="0">
-                  <a:solidFill>
-                    <a:schemeClr val="tx1"/>
-                  </a:solidFill>
-                  <a:latin typeface="Consolas" panose="020B0609020204030204" pitchFamily="49" charset="0"/>
-                  <a:cs typeface="Consolas" panose="020B0609020204030204" pitchFamily="49" charset="0"/>
-                </a:rPr>
-                <a:t>PredictorMethods</a:t>
-              </a:r>
-              <a:r>
-                <a:rPr lang="en-US" sz="1000" b="1" dirty="0" smtClean="0">
+                <a:rPr lang="en-US" sz="1000" b="1" dirty="0" err="1">
+                  <a:solidFill>
+                    <a:schemeClr val="tx1"/>
+                  </a:solidFill>
+                  <a:latin typeface="Consolas" panose="020B0609020204030204" pitchFamily="49" charset="0"/>
+                  <a:cs typeface="Consolas" panose="020B0609020204030204" pitchFamily="49" charset="0"/>
+                </a:rPr>
+                <a:t>CrossValidationType</a:t>
+              </a:r>
+              <a:r>
+                <a:rPr lang="en-US" sz="1000" b="1" dirty="0">
                   <a:solidFill>
                     <a:schemeClr val="tx1"/>
                   </a:solidFill>
@@ -9349,16 +8326,16 @@
                 <a:t>		</a:t>
               </a:r>
               <a:r>
-                <a:rPr lang="en-US" sz="1000" dirty="0" smtClean="0">
-                  <a:solidFill>
-                    <a:schemeClr val="tx1"/>
-                  </a:solidFill>
-                  <a:latin typeface="Consolas" panose="020B0609020204030204" pitchFamily="49" charset="0"/>
-                  <a:cs typeface="Consolas" panose="020B0609020204030204" pitchFamily="49" charset="0"/>
-                </a:rPr>
-                <a:t>[list, e.g. [Sample, Accumulation, …]</a:t>
-              </a:r>
-              <a:endParaRPr lang="en-US" sz="1000" b="1" dirty="0" smtClean="0">
+                <a:rPr lang="en-US" sz="1000" dirty="0">
+                  <a:solidFill>
+                    <a:schemeClr val="tx1"/>
+                  </a:solidFill>
+                  <a:latin typeface="Consolas" panose="020B0609020204030204" pitchFamily="49" charset="0"/>
+                  <a:cs typeface="Consolas" panose="020B0609020204030204" pitchFamily="49" charset="0"/>
+                </a:rPr>
+                <a:t>[string, e.g. ‘K-Fold (5)’]</a:t>
+              </a:r>
+              <a:endParaRPr lang="en-US" sz="1000" b="1" dirty="0">
                 <a:solidFill>
                   <a:schemeClr val="tx1"/>
                 </a:solidFill>
@@ -9368,17 +8345,17 @@
             </a:p>
             <a:p>
               <a:r>
-                <a:rPr lang="en-US" sz="1000" b="1" dirty="0" err="1" smtClean="0">
-                  <a:solidFill>
-                    <a:schemeClr val="tx1"/>
-                  </a:solidFill>
-                  <a:latin typeface="Consolas" panose="020B0609020204030204" pitchFamily="49" charset="0"/>
-                  <a:cs typeface="Consolas" panose="020B0609020204030204" pitchFamily="49" charset="0"/>
-                </a:rPr>
-                <a:t>RegressionType</a:t>
-              </a:r>
-              <a:r>
-                <a:rPr lang="en-US" sz="1000" b="1" dirty="0" smtClean="0">
+                <a:rPr lang="en-US" sz="1000" b="1" dirty="0" err="1">
+                  <a:solidFill>
+                    <a:schemeClr val="tx1"/>
+                  </a:solidFill>
+                  <a:latin typeface="Consolas" panose="020B0609020204030204" pitchFamily="49" charset="0"/>
+                  <a:cs typeface="Consolas" panose="020B0609020204030204" pitchFamily="49" charset="0"/>
+                </a:rPr>
+                <a:t>FeatureSelectionType</a:t>
+              </a:r>
+              <a:r>
+                <a:rPr lang="en-US" sz="1000" b="1" dirty="0">
                   <a:solidFill>
                     <a:schemeClr val="tx1"/>
                   </a:solidFill>
@@ -9388,38 +8365,16 @@
                 <a:t>		</a:t>
               </a:r>
               <a:r>
-                <a:rPr lang="en-US" sz="1000" dirty="0" smtClean="0">
-                  <a:solidFill>
-                    <a:schemeClr val="tx1"/>
-                  </a:solidFill>
-                  <a:latin typeface="Consolas" panose="020B0609020204030204" pitchFamily="49" charset="0"/>
-                  <a:cs typeface="Consolas" panose="020B0609020204030204" pitchFamily="49" charset="0"/>
-                </a:rPr>
-                <a:t>[string, e.g. ‘Multiple Linear Regression’]</a:t>
-              </a:r>
-            </a:p>
-            <a:p>
-              <a:r>
-                <a:rPr lang="en-US" sz="1000" b="1" dirty="0" err="1" smtClean="0">
-                  <a:solidFill>
-                    <a:schemeClr val="tx1"/>
-                  </a:solidFill>
-                  <a:latin typeface="Consolas" panose="020B0609020204030204" pitchFamily="49" charset="0"/>
-                  <a:cs typeface="Consolas" panose="020B0609020204030204" pitchFamily="49" charset="0"/>
-                </a:rPr>
-                <a:t>NumberOfEquations</a:t>
-              </a:r>
-              <a:r>
-                <a:rPr lang="en-US" sz="1000" dirty="0" smtClean="0">
-                  <a:solidFill>
-                    <a:schemeClr val="tx1"/>
-                  </a:solidFill>
-                  <a:latin typeface="Consolas" panose="020B0609020204030204" pitchFamily="49" charset="0"/>
-                  <a:cs typeface="Consolas" panose="020B0609020204030204" pitchFamily="49" charset="0"/>
-                </a:rPr>
-                <a:t>		[integer, e.g. 25]</a:t>
-              </a:r>
-              <a:endParaRPr lang="en-US" sz="1400" dirty="0" smtClean="0">
+                <a:rPr lang="en-US" sz="1000" dirty="0">
+                  <a:solidFill>
+                    <a:schemeClr val="tx1"/>
+                  </a:solidFill>
+                  <a:latin typeface="Consolas" panose="020B0609020204030204" pitchFamily="49" charset="0"/>
+                  <a:cs typeface="Consolas" panose="020B0609020204030204" pitchFamily="49" charset="0"/>
+                </a:rPr>
+                <a:t>[string, e.g. ‘Forward Floating’]</a:t>
+              </a:r>
+              <a:endParaRPr lang="en-US" sz="1000" b="1" dirty="0">
                 <a:solidFill>
                   <a:schemeClr val="tx1"/>
                 </a:solidFill>
@@ -9429,17 +8384,17 @@
             </a:p>
             <a:p>
               <a:r>
-                <a:rPr lang="en-US" sz="1000" b="1" dirty="0" err="1" smtClean="0">
-                  <a:solidFill>
-                    <a:schemeClr val="tx1"/>
-                  </a:solidFill>
-                  <a:latin typeface="Consolas" panose="020B0609020204030204" pitchFamily="49" charset="0"/>
-                  <a:cs typeface="Consolas" panose="020B0609020204030204" pitchFamily="49" charset="0"/>
-                </a:rPr>
-                <a:t>CrossValidationType</a:t>
-              </a:r>
-              <a:r>
-                <a:rPr lang="en-US" sz="1000" b="1" dirty="0" smtClean="0">
+                <a:rPr lang="en-US" sz="1000" b="1" dirty="0" err="1">
+                  <a:solidFill>
+                    <a:schemeClr val="tx1"/>
+                  </a:solidFill>
+                  <a:latin typeface="Consolas" panose="020B0609020204030204" pitchFamily="49" charset="0"/>
+                  <a:cs typeface="Consolas" panose="020B0609020204030204" pitchFamily="49" charset="0"/>
+                </a:rPr>
+                <a:t>PerformanceMetric</a:t>
+              </a:r>
+              <a:r>
+                <a:rPr lang="en-US" sz="1000" b="1" dirty="0">
                   <a:solidFill>
                     <a:schemeClr val="tx1"/>
                   </a:solidFill>
@@ -9449,85 +8404,7 @@
                 <a:t>		</a:t>
               </a:r>
               <a:r>
-                <a:rPr lang="en-US" sz="1000" dirty="0" smtClean="0">
-                  <a:solidFill>
-                    <a:schemeClr val="tx1"/>
-                  </a:solidFill>
-                  <a:latin typeface="Consolas" panose="020B0609020204030204" pitchFamily="49" charset="0"/>
-                  <a:cs typeface="Consolas" panose="020B0609020204030204" pitchFamily="49" charset="0"/>
-                </a:rPr>
-                <a:t>[string, e.g. ‘K-Fold (5)’]</a:t>
-              </a:r>
-              <a:endParaRPr lang="en-US" sz="1000" b="1" dirty="0" smtClean="0">
-                <a:solidFill>
-                  <a:schemeClr val="tx1"/>
-                </a:solidFill>
-                <a:latin typeface="Consolas" panose="020B0609020204030204" pitchFamily="49" charset="0"/>
-                <a:cs typeface="Consolas" panose="020B0609020204030204" pitchFamily="49" charset="0"/>
-              </a:endParaRPr>
-            </a:p>
-            <a:p>
-              <a:r>
-                <a:rPr lang="en-US" sz="1000" b="1" dirty="0" err="1" smtClean="0">
-                  <a:solidFill>
-                    <a:schemeClr val="tx1"/>
-                  </a:solidFill>
-                  <a:latin typeface="Consolas" panose="020B0609020204030204" pitchFamily="49" charset="0"/>
-                  <a:cs typeface="Consolas" panose="020B0609020204030204" pitchFamily="49" charset="0"/>
-                </a:rPr>
-                <a:t>FeatureSelectionType</a:t>
-              </a:r>
-              <a:r>
-                <a:rPr lang="en-US" sz="1000" b="1" dirty="0" smtClean="0">
-                  <a:solidFill>
-                    <a:schemeClr val="tx1"/>
-                  </a:solidFill>
-                  <a:latin typeface="Consolas" panose="020B0609020204030204" pitchFamily="49" charset="0"/>
-                  <a:cs typeface="Consolas" panose="020B0609020204030204" pitchFamily="49" charset="0"/>
-                </a:rPr>
-                <a:t>		</a:t>
-              </a:r>
-              <a:r>
-                <a:rPr lang="en-US" sz="1000" dirty="0" smtClean="0">
-                  <a:solidFill>
-                    <a:schemeClr val="tx1"/>
-                  </a:solidFill>
-                  <a:latin typeface="Consolas" panose="020B0609020204030204" pitchFamily="49" charset="0"/>
-                  <a:cs typeface="Consolas" panose="020B0609020204030204" pitchFamily="49" charset="0"/>
-                </a:rPr>
-                <a:t>[string, e.g. ‘Forward Floating’]</a:t>
-              </a:r>
-              <a:endParaRPr lang="en-US" sz="1000" b="1" dirty="0" smtClean="0">
-                <a:solidFill>
-                  <a:schemeClr val="tx1"/>
-                </a:solidFill>
-                <a:latin typeface="Consolas" panose="020B0609020204030204" pitchFamily="49" charset="0"/>
-                <a:cs typeface="Consolas" panose="020B0609020204030204" pitchFamily="49" charset="0"/>
-              </a:endParaRPr>
-            </a:p>
-            <a:p>
-              <a:r>
-                <a:rPr lang="en-US" sz="1000" b="1" dirty="0" err="1" smtClean="0">
-                  <a:solidFill>
-                    <a:schemeClr val="tx1"/>
-                  </a:solidFill>
-                  <a:latin typeface="Consolas" panose="020B0609020204030204" pitchFamily="49" charset="0"/>
-                  <a:cs typeface="Consolas" panose="020B0609020204030204" pitchFamily="49" charset="0"/>
-                </a:rPr>
-                <a:t>PerformanceMetric</a:t>
-              </a:r>
-              <a:r>
-                <a:rPr lang="en-US" sz="1000" b="1" dirty="0" smtClean="0">
-                  <a:solidFill>
-                    <a:schemeClr val="tx1"/>
-                  </a:solidFill>
-                  <a:latin typeface="Consolas" panose="020B0609020204030204" pitchFamily="49" charset="0"/>
-                  <a:cs typeface="Consolas" panose="020B0609020204030204" pitchFamily="49" charset="0"/>
-                </a:rPr>
-                <a:t>		</a:t>
-              </a:r>
-              <a:r>
-                <a:rPr lang="en-US" sz="1000" dirty="0" smtClean="0">
+                <a:rPr lang="en-US" sz="1000" dirty="0">
                   <a:solidFill>
                     <a:schemeClr val="tx1"/>
                   </a:solidFill>
@@ -9537,7 +8414,7 @@
                 <a:t>[string, e.g. ‘Adjusted R2</a:t>
               </a:r>
               <a:r>
-                <a:rPr lang="en-US" sz="1000" b="1" dirty="0" smtClean="0">
+                <a:rPr lang="en-US" sz="1000" b="1" dirty="0">
                   <a:solidFill>
                     <a:schemeClr val="tx1"/>
                   </a:solidFill>
@@ -9546,7 +8423,7 @@
                 </a:rPr>
                 <a:t>’]</a:t>
               </a:r>
-              <a:endParaRPr lang="en-US" sz="1000" dirty="0" smtClean="0">
+              <a:endParaRPr lang="en-US" sz="1000" dirty="0">
                 <a:solidFill>
                   <a:schemeClr val="tx1"/>
                 </a:solidFill>
@@ -9608,7 +8485,7 @@
             <a:p>
               <a:pPr algn="ctr"/>
               <a:r>
-                <a:rPr lang="en-US" sz="1200" dirty="0" err="1" smtClean="0">
+                <a:rPr lang="en-US" sz="1200" dirty="0" err="1">
                   <a:solidFill>
                     <a:schemeClr val="accent4">
                       <a:lumMod val="40000"/>
@@ -9621,7 +8498,7 @@
                 <a:t>self.</a:t>
               </a:r>
               <a:r>
-                <a:rPr lang="en-US" sz="1200" dirty="0" err="1" smtClean="0">
+                <a:rPr lang="en-US" sz="1200" dirty="0" err="1">
                   <a:solidFill>
                     <a:schemeClr val="bg1"/>
                   </a:solidFill>
@@ -9664,7 +8541,7 @@
           <a:lstStyle/>
           <a:p>
             <a:r>
-              <a:rPr lang="en-US" dirty="0" smtClean="0"/>
+              <a:rPr lang="en-US" dirty="0"/>
               <a:t>Software stores model initialism</a:t>
             </a:r>
           </a:p>
@@ -9723,7 +8600,7 @@
           <a:lstStyle/>
           <a:p>
             <a:r>
-              <a:rPr lang="en-US" sz="2000" b="1" dirty="0" err="1" smtClean="0">
+              <a:rPr lang="en-US" sz="2000" b="1" dirty="0" err="1">
                 <a:solidFill>
                   <a:schemeClr val="tx2"/>
                 </a:solidFill>
@@ -9731,7 +8608,7 @@
               <a:t>NextFlow</a:t>
             </a:r>
             <a:r>
-              <a:rPr lang="en-US" sz="2000" b="1" dirty="0" smtClean="0">
+              <a:rPr lang="en-US" sz="2000" b="1" dirty="0">
                 <a:solidFill>
                   <a:schemeClr val="tx2"/>
                 </a:solidFill>
@@ -9804,7 +8681,7 @@
             <a:lstStyle/>
             <a:p>
               <a:r>
-                <a:rPr lang="en-US" sz="1000" b="1" dirty="0" smtClean="0">
+                <a:rPr lang="en-US" sz="1000" b="1" dirty="0">
                   <a:solidFill>
                     <a:schemeClr val="tx1"/>
                   </a:solidFill>
@@ -9814,7 +8691,7 @@
                 <a:t>(IDX) </a:t>
               </a:r>
               <a:r>
-                <a:rPr lang="en-US" sz="1000" b="1" dirty="0" err="1" smtClean="0">
+                <a:rPr lang="en-US" sz="1000" b="1" dirty="0" err="1">
                   <a:solidFill>
                     <a:schemeClr val="tx1"/>
                   </a:solidFill>
@@ -9824,7 +8701,7 @@
                 <a:t>ForecastEquationID</a:t>
               </a:r>
               <a:r>
-                <a:rPr lang="en-US" sz="1000" b="1" dirty="0" smtClean="0">
+                <a:rPr lang="en-US" sz="1000" b="1" dirty="0">
                   <a:solidFill>
                     <a:schemeClr val="tx1"/>
                   </a:solidFill>
@@ -9834,7 +8711,7 @@
                 <a:t>		</a:t>
               </a:r>
               <a:r>
-                <a:rPr lang="en-US" sz="1000" dirty="0" smtClean="0">
+                <a:rPr lang="en-US" sz="1000" dirty="0">
                   <a:solidFill>
                     <a:schemeClr val="tx1"/>
                   </a:solidFill>
@@ -9846,7 +8723,7 @@
             </a:p>
             <a:p>
               <a:r>
-                <a:rPr lang="en-US" sz="1000" b="1" dirty="0" err="1" smtClean="0">
+                <a:rPr lang="en-US" sz="1000" b="1" dirty="0" err="1">
                   <a:solidFill>
                     <a:schemeClr val="tx1"/>
                   </a:solidFill>
@@ -9856,7 +8733,7 @@
                 <a:t>EquationSource</a:t>
               </a:r>
               <a:r>
-                <a:rPr lang="en-US" sz="1000" dirty="0" smtClean="0">
+                <a:rPr lang="en-US" sz="1000" dirty="0">
                   <a:solidFill>
                     <a:schemeClr val="tx1"/>
                   </a:solidFill>
@@ -9866,7 +8743,7 @@
                 <a:t>		[string, e.g. ‘</a:t>
               </a:r>
               <a:r>
-                <a:rPr lang="en-US" sz="1000" dirty="0" err="1" smtClean="0">
+                <a:rPr lang="en-US" sz="1000" dirty="0" err="1">
                   <a:solidFill>
                     <a:schemeClr val="tx1"/>
                   </a:solidFill>
@@ -9876,7 +8753,7 @@
                 <a:t>NextFlow</a:t>
               </a:r>
               <a:r>
-                <a:rPr lang="en-US" sz="1000" dirty="0" smtClean="0">
+                <a:rPr lang="en-US" sz="1000" dirty="0">
                   <a:solidFill>
                     <a:schemeClr val="tx1"/>
                   </a:solidFill>
@@ -9885,7 +8762,7 @@
                 </a:rPr>
                 <a:t>’ or ‘NRCS’ or …]</a:t>
               </a:r>
-              <a:endParaRPr lang="en-US" sz="1000" b="1" dirty="0" smtClean="0">
+              <a:endParaRPr lang="en-US" sz="1000" b="1" dirty="0">
                 <a:solidFill>
                   <a:schemeClr val="tx1"/>
                 </a:solidFill>
@@ -9895,7 +8772,7 @@
             </a:p>
             <a:p>
               <a:r>
-                <a:rPr lang="en-US" sz="1000" b="1" dirty="0" err="1" smtClean="0">
+                <a:rPr lang="en-US" sz="1000" b="1" dirty="0" err="1">
                   <a:solidFill>
                     <a:schemeClr val="tx1"/>
                   </a:solidFill>
@@ -9905,7 +8782,7 @@
                 <a:t>EquationComment</a:t>
               </a:r>
               <a:r>
-                <a:rPr lang="en-US" sz="1000" b="1" dirty="0" smtClean="0">
+                <a:rPr lang="en-US" sz="1000" b="1" dirty="0">
                   <a:solidFill>
                     <a:schemeClr val="tx1"/>
                   </a:solidFill>
@@ -9915,7 +8792,7 @@
                 <a:t>		</a:t>
               </a:r>
               <a:r>
-                <a:rPr lang="en-US" sz="1000" dirty="0" smtClean="0">
+                <a:rPr lang="en-US" sz="1000" dirty="0">
                   <a:solidFill>
                     <a:schemeClr val="tx1"/>
                   </a:solidFill>
@@ -9925,7 +8802,7 @@
                 <a:t>[string, e.g. ‘Made by </a:t>
               </a:r>
               <a:r>
-                <a:rPr lang="en-US" sz="1000" dirty="0" err="1" smtClean="0">
+                <a:rPr lang="en-US" sz="1000" dirty="0" err="1">
                   <a:solidFill>
                     <a:schemeClr val="tx1"/>
                   </a:solidFill>
@@ -9935,7 +8812,7 @@
                 <a:t>Kfoley</a:t>
               </a:r>
               <a:r>
-                <a:rPr lang="en-US" sz="1000" dirty="0" smtClean="0">
+                <a:rPr lang="en-US" sz="1000" dirty="0">
                   <a:solidFill>
                     <a:schemeClr val="tx1"/>
                   </a:solidFill>
@@ -9947,7 +8824,7 @@
             </a:p>
             <a:p>
               <a:r>
-                <a:rPr lang="en-US" sz="1000" b="1" dirty="0" err="1" smtClean="0">
+                <a:rPr lang="en-US" sz="1000" b="1" dirty="0" err="1">
                   <a:solidFill>
                     <a:schemeClr val="tx1"/>
                   </a:solidFill>
@@ -9957,7 +8834,7 @@
                 <a:t>EquationPredictand</a:t>
               </a:r>
               <a:r>
-                <a:rPr lang="en-US" sz="1000" b="1" dirty="0" smtClean="0">
+                <a:rPr lang="en-US" sz="1000" b="1" dirty="0">
                   <a:solidFill>
                     <a:schemeClr val="tx1"/>
                   </a:solidFill>
@@ -9967,7 +8844,7 @@
                 <a:t>		</a:t>
               </a:r>
               <a:r>
-                <a:rPr lang="en-US" sz="1000" dirty="0" smtClean="0">
+                <a:rPr lang="en-US" sz="1000" dirty="0">
                   <a:solidFill>
                     <a:schemeClr val="tx1"/>
                   </a:solidFill>
@@ -9976,7 +8853,7 @@
                 </a:rPr>
                 <a:t>[integer, e.g. 100323]</a:t>
               </a:r>
-              <a:endParaRPr lang="en-US" sz="1000" b="1" dirty="0" smtClean="0">
+              <a:endParaRPr lang="en-US" sz="1000" b="1" dirty="0">
                 <a:solidFill>
                   <a:schemeClr val="tx1"/>
                 </a:solidFill>
@@ -9986,7 +8863,7 @@
             </a:p>
             <a:p>
               <a:r>
-                <a:rPr lang="en-US" sz="1000" b="1" dirty="0" err="1" smtClean="0">
+                <a:rPr lang="en-US" sz="1000" b="1" dirty="0" err="1">
                   <a:solidFill>
                     <a:schemeClr val="tx1"/>
                   </a:solidFill>
@@ -9996,7 +8873,7 @@
                 <a:t>PredictandPeriod</a:t>
               </a:r>
               <a:r>
-                <a:rPr lang="en-US" sz="1000" b="1" dirty="0" smtClean="0">
+                <a:rPr lang="en-US" sz="1000" b="1" dirty="0">
                   <a:solidFill>
                     <a:schemeClr val="tx1"/>
                   </a:solidFill>
@@ -10006,7 +8883,7 @@
                 <a:t>		</a:t>
               </a:r>
               <a:r>
-                <a:rPr lang="en-US" sz="1000" dirty="0" smtClean="0">
+                <a:rPr lang="en-US" sz="1000" dirty="0">
                   <a:solidFill>
                     <a:schemeClr val="tx1"/>
                   </a:solidFill>
@@ -10018,7 +8895,7 @@
             </a:p>
             <a:p>
               <a:r>
-                <a:rPr lang="en-US" sz="1000" b="1" dirty="0" err="1" smtClean="0">
+                <a:rPr lang="en-US" sz="1000" b="1" dirty="0" err="1">
                   <a:solidFill>
                     <a:schemeClr val="tx1"/>
                   </a:solidFill>
@@ -10028,7 +8905,7 @@
                 <a:t>PredictandMethod</a:t>
               </a:r>
               <a:r>
-                <a:rPr lang="en-US" sz="1000" b="1" dirty="0" smtClean="0">
+                <a:rPr lang="en-US" sz="1000" b="1" dirty="0">
                   <a:solidFill>
                     <a:schemeClr val="tx1"/>
                   </a:solidFill>
@@ -10038,7 +8915,7 @@
                 <a:t>		</a:t>
               </a:r>
               <a:r>
-                <a:rPr lang="en-US" sz="1000" dirty="0" smtClean="0">
+                <a:rPr lang="en-US" sz="1000" dirty="0">
                   <a:solidFill>
                     <a:schemeClr val="tx1"/>
                   </a:solidFill>
@@ -10047,7 +8924,7 @@
                 </a:rPr>
                 <a:t>[string, e.g. ‘Accumulation’]</a:t>
               </a:r>
-              <a:endParaRPr lang="en-US" sz="1000" b="1" dirty="0" smtClean="0">
+              <a:endParaRPr lang="en-US" sz="1000" b="1" dirty="0">
                 <a:solidFill>
                   <a:schemeClr val="tx1"/>
                 </a:solidFill>
@@ -10057,7 +8934,7 @@
             </a:p>
             <a:p>
               <a:r>
-                <a:rPr lang="en-US" sz="1000" b="1" dirty="0" err="1" smtClean="0">
+                <a:rPr lang="en-US" sz="1000" b="1" dirty="0" err="1">
                   <a:solidFill>
                     <a:schemeClr val="tx1"/>
                   </a:solidFill>
@@ -10067,7 +8944,7 @@
                 <a:t>EquationCreatedOn</a:t>
               </a:r>
               <a:r>
-                <a:rPr lang="en-US" sz="1000" b="1" dirty="0" smtClean="0">
+                <a:rPr lang="en-US" sz="1000" b="1" dirty="0">
                   <a:solidFill>
                     <a:schemeClr val="tx1"/>
                   </a:solidFill>
@@ -10077,7 +8954,7 @@
                 <a:t>		</a:t>
               </a:r>
               <a:r>
-                <a:rPr lang="en-US" sz="1000" dirty="0" smtClean="0">
+                <a:rPr lang="en-US" sz="1000" dirty="0">
                   <a:solidFill>
                     <a:schemeClr val="tx1"/>
                   </a:solidFill>
@@ -10089,7 +8966,7 @@
             </a:p>
             <a:p>
               <a:r>
-                <a:rPr lang="en-US" sz="1000" b="1" dirty="0" err="1" smtClean="0">
+                <a:rPr lang="en-US" sz="1000" b="1" dirty="0" err="1">
                   <a:solidFill>
                     <a:schemeClr val="tx1"/>
                   </a:solidFill>
@@ -10099,7 +8976,7 @@
                 <a:t>EquationIssueDate</a:t>
               </a:r>
               <a:r>
-                <a:rPr lang="en-US" sz="1000" b="1" dirty="0" smtClean="0">
+                <a:rPr lang="en-US" sz="1000" b="1" dirty="0">
                   <a:solidFill>
                     <a:schemeClr val="tx1"/>
                   </a:solidFill>
@@ -10109,7 +8986,7 @@
                 <a:t>		</a:t>
               </a:r>
               <a:r>
-                <a:rPr lang="en-US" sz="1000" dirty="0" smtClean="0">
+                <a:rPr lang="en-US" sz="1000" dirty="0">
                   <a:solidFill>
                     <a:schemeClr val="tx1"/>
                   </a:solidFill>
@@ -10121,7 +8998,7 @@
             </a:p>
             <a:p>
               <a:r>
-                <a:rPr lang="en-US" sz="1000" b="1" dirty="0" err="1" smtClean="0">
+                <a:rPr lang="en-US" sz="1000" b="1" dirty="0" err="1">
                   <a:solidFill>
                     <a:schemeClr val="tx1"/>
                   </a:solidFill>
@@ -10131,7 +9008,7 @@
                 <a:t>EquationCoefficients</a:t>
               </a:r>
               <a:r>
-                <a:rPr lang="en-US" sz="1000" dirty="0" smtClean="0">
+                <a:rPr lang="en-US" sz="1000" dirty="0">
                   <a:solidFill>
                     <a:schemeClr val="tx1"/>
                   </a:solidFill>
@@ -10143,7 +9020,7 @@
             </a:p>
             <a:p>
               <a:r>
-                <a:rPr lang="en-US" sz="1000" b="1" dirty="0" err="1" smtClean="0">
+                <a:rPr lang="en-US" sz="1000" b="1" dirty="0" err="1">
                   <a:solidFill>
                     <a:schemeClr val="tx1"/>
                   </a:solidFill>
@@ -10153,7 +9030,7 @@
                 <a:t>EquationIntercept</a:t>
               </a:r>
               <a:r>
-                <a:rPr lang="en-US" sz="1000" b="1" dirty="0" smtClean="0">
+                <a:rPr lang="en-US" sz="1000" b="1" dirty="0">
                   <a:solidFill>
                     <a:schemeClr val="tx1"/>
                   </a:solidFill>
@@ -10163,7 +9040,7 @@
                 <a:t>		</a:t>
               </a:r>
               <a:r>
-                <a:rPr lang="en-US" sz="1000" dirty="0" smtClean="0">
+                <a:rPr lang="en-US" sz="1000" dirty="0">
                   <a:solidFill>
                     <a:schemeClr val="tx1"/>
                   </a:solidFill>
@@ -10172,7 +9049,7 @@
                 </a:rPr>
                 <a:t>[float, e.g. -230.34]</a:t>
               </a:r>
-              <a:endParaRPr lang="en-US" sz="1000" b="1" dirty="0" smtClean="0">
+              <a:endParaRPr lang="en-US" sz="1000" b="1" dirty="0">
                 <a:solidFill>
                   <a:schemeClr val="tx1"/>
                 </a:solidFill>
@@ -10182,7 +9059,7 @@
             </a:p>
             <a:p>
               <a:r>
-                <a:rPr lang="en-US" sz="1000" b="1" dirty="0" err="1" smtClean="0">
+                <a:rPr lang="en-US" sz="1000" b="1" dirty="0" err="1">
                   <a:solidFill>
                     <a:schemeClr val="tx1"/>
                   </a:solidFill>
@@ -10192,7 +9069,7 @@
                 <a:t>EquationPredictors</a:t>
               </a:r>
               <a:r>
-                <a:rPr lang="en-US" sz="1000" b="1" dirty="0" smtClean="0">
+                <a:rPr lang="en-US" sz="1000" b="1" dirty="0">
                   <a:solidFill>
                     <a:schemeClr val="tx1"/>
                   </a:solidFill>
@@ -10202,7 +9079,7 @@
                 <a:t> {FK}		</a:t>
               </a:r>
               <a:r>
-                <a:rPr lang="en-US" sz="1000" dirty="0" smtClean="0">
+                <a:rPr lang="en-US" sz="1000" dirty="0">
                   <a:solidFill>
                     <a:schemeClr val="tx1"/>
                   </a:solidFill>
@@ -10214,7 +9091,7 @@
             </a:p>
             <a:p>
               <a:r>
-                <a:rPr lang="en-US" sz="1000" b="1" dirty="0" err="1" smtClean="0">
+                <a:rPr lang="en-US" sz="1000" b="1" dirty="0" err="1">
                   <a:solidFill>
                     <a:schemeClr val="tx1"/>
                   </a:solidFill>
@@ -10224,7 +9101,7 @@
                 <a:t>PredictorPeriods</a:t>
               </a:r>
               <a:r>
-                <a:rPr lang="en-US" sz="1000" b="1" dirty="0" smtClean="0">
+                <a:rPr lang="en-US" sz="1000" b="1" dirty="0">
                   <a:solidFill>
                     <a:schemeClr val="tx1"/>
                   </a:solidFill>
@@ -10234,7 +9111,7 @@
                 <a:t>		</a:t>
               </a:r>
               <a:r>
-                <a:rPr lang="en-US" sz="1000" dirty="0" smtClean="0">
+                <a:rPr lang="en-US" sz="1000" dirty="0">
                   <a:solidFill>
                     <a:schemeClr val="tx1"/>
                   </a:solidFill>
@@ -10246,7 +9123,7 @@
             </a:p>
             <a:p>
               <a:r>
-                <a:rPr lang="en-US" sz="1000" b="1" dirty="0" err="1" smtClean="0">
+                <a:rPr lang="en-US" sz="1000" b="1" dirty="0" err="1">
                   <a:solidFill>
                     <a:schemeClr val="tx1"/>
                   </a:solidFill>
@@ -10256,7 +9133,7 @@
                 <a:t>PredictorMethods</a:t>
               </a:r>
               <a:r>
-                <a:rPr lang="en-US" sz="1000" b="1" dirty="0" smtClean="0">
+                <a:rPr lang="en-US" sz="1000" b="1" dirty="0">
                   <a:solidFill>
                     <a:schemeClr val="tx1"/>
                   </a:solidFill>
@@ -10266,7 +9143,7 @@
                 <a:t>		</a:t>
               </a:r>
               <a:r>
-                <a:rPr lang="en-US" sz="1000" dirty="0" smtClean="0">
+                <a:rPr lang="en-US" sz="1000" dirty="0">
                   <a:solidFill>
                     <a:schemeClr val="tx1"/>
                   </a:solidFill>
@@ -10275,7 +9152,7 @@
                 </a:rPr>
                 <a:t>[list, e.g. [Sample, Accumulation, …]</a:t>
               </a:r>
-              <a:endParaRPr lang="en-US" sz="1000" b="1" dirty="0" smtClean="0">
+              <a:endParaRPr lang="en-US" sz="1000" b="1" dirty="0">
                 <a:solidFill>
                   <a:schemeClr val="tx1"/>
                 </a:solidFill>
@@ -10337,7 +9214,7 @@
             <a:p>
               <a:pPr algn="ctr"/>
               <a:r>
-                <a:rPr lang="en-US" sz="1200" dirty="0" err="1" smtClean="0">
+                <a:rPr lang="en-US" sz="1200" dirty="0" err="1">
                   <a:solidFill>
                     <a:schemeClr val="accent4">
                       <a:lumMod val="40000"/>
@@ -10350,7 +9227,7 @@
                 <a:t>self</a:t>
               </a:r>
               <a:r>
-                <a:rPr lang="en-US" sz="1200" dirty="0" err="1" smtClean="0">
+                <a:rPr lang="en-US" sz="1200" dirty="0" err="1">
                   <a:solidFill>
                     <a:schemeClr val="bg1"/>
                   </a:solidFill>
@@ -10431,7 +9308,7 @@
           <a:lstStyle/>
           <a:p>
             <a:r>
-              <a:rPr lang="en-US" dirty="0" smtClean="0"/>
+              <a:rPr lang="en-US" dirty="0"/>
               <a:t>Regression Algorithms</a:t>
             </a:r>
           </a:p>
@@ -10460,7 +9337,7 @@
           <a:lstStyle/>
           <a:p>
             <a:r>
-              <a:rPr lang="en-US" dirty="0" smtClean="0"/>
+              <a:rPr lang="en-US" dirty="0"/>
               <a:t>Users creates (or imports) some nice forecast equations</a:t>
             </a:r>
           </a:p>
@@ -10567,7 +9444,7 @@
             <a:lstStyle/>
             <a:p>
               <a:r>
-                <a:rPr lang="en-US" sz="1000" b="1" dirty="0" smtClean="0">
+                <a:rPr lang="en-US" sz="1000" b="1" dirty="0">
                   <a:solidFill>
                     <a:schemeClr val="tx1"/>
                   </a:solidFill>
@@ -10577,7 +9454,7 @@
                 <a:t>(IDX) </a:t>
               </a:r>
               <a:r>
-                <a:rPr lang="en-US" sz="1000" b="1" dirty="0" err="1" smtClean="0">
+                <a:rPr lang="en-US" sz="1000" b="1" dirty="0" err="1">
                   <a:solidFill>
                     <a:schemeClr val="tx1"/>
                   </a:solidFill>
@@ -10587,7 +9464,7 @@
                 <a:t>ForecastEquationID</a:t>
               </a:r>
               <a:r>
-                <a:rPr lang="en-US" sz="1000" b="1" dirty="0" smtClean="0">
+                <a:rPr lang="en-US" sz="1000" b="1" dirty="0">
                   <a:solidFill>
                     <a:schemeClr val="tx1"/>
                   </a:solidFill>
@@ -10597,7 +9474,7 @@
                 <a:t> {FK}	</a:t>
               </a:r>
               <a:r>
-                <a:rPr lang="en-US" sz="1000" dirty="0" smtClean="0">
+                <a:rPr lang="en-US" sz="1000" dirty="0">
                   <a:solidFill>
                     <a:schemeClr val="tx1"/>
                   </a:solidFill>
@@ -10606,7 +9483,7 @@
                 </a:rPr>
                 <a:t>[integer, e.g. 10203]</a:t>
               </a:r>
-              <a:endParaRPr lang="en-US" sz="1000" b="1" dirty="0" smtClean="0">
+              <a:endParaRPr lang="en-US" sz="1000" b="1" dirty="0">
                 <a:solidFill>
                   <a:schemeClr val="tx1"/>
                 </a:solidFill>
@@ -10616,7 +9493,7 @@
             </a:p>
             <a:p>
               <a:r>
-                <a:rPr lang="en-US" sz="1000" b="1" dirty="0" smtClean="0">
+                <a:rPr lang="en-US" sz="1000" b="1" dirty="0">
                   <a:solidFill>
                     <a:schemeClr val="tx1"/>
                   </a:solidFill>
@@ -10626,7 +9503,7 @@
                 <a:t>(IDX) </a:t>
               </a:r>
               <a:r>
-                <a:rPr lang="en-US" sz="1000" b="1" dirty="0" err="1" smtClean="0">
+                <a:rPr lang="en-US" sz="1000" b="1" dirty="0" err="1">
                   <a:solidFill>
                     <a:schemeClr val="tx1"/>
                   </a:solidFill>
@@ -10636,7 +9513,7 @@
                 <a:t>ForecastPeriod</a:t>
               </a:r>
               <a:r>
-                <a:rPr lang="en-US" sz="1000" b="1" dirty="0" smtClean="0">
+                <a:rPr lang="en-US" sz="1000" b="1" dirty="0">
                   <a:solidFill>
                     <a:schemeClr val="tx1"/>
                   </a:solidFill>
@@ -10646,7 +9523,7 @@
                 <a:t>		</a:t>
               </a:r>
               <a:r>
-                <a:rPr lang="en-US" sz="1000" dirty="0" smtClean="0">
+                <a:rPr lang="en-US" sz="1000" dirty="0">
                   <a:solidFill>
                     <a:schemeClr val="tx1"/>
                   </a:solidFill>
@@ -10655,7 +9532,7 @@
                 </a:rPr>
                 <a:t>[string (ISO8601), e.g. ‘2019-04-01/P4M’]</a:t>
               </a:r>
-              <a:endParaRPr lang="en-US" sz="1000" b="1" dirty="0" smtClean="0">
+              <a:endParaRPr lang="en-US" sz="1000" b="1" dirty="0">
                 <a:solidFill>
                   <a:schemeClr val="tx1"/>
                 </a:solidFill>
@@ -10665,7 +9542,7 @@
             </a:p>
             <a:p>
               <a:r>
-                <a:rPr lang="en-US" sz="1000" b="1" dirty="0" smtClean="0">
+                <a:rPr lang="en-US" sz="1000" b="1" dirty="0">
                   <a:solidFill>
                     <a:schemeClr val="tx1"/>
                   </a:solidFill>
@@ -10675,7 +9552,7 @@
                 <a:t>(IDX) </a:t>
               </a:r>
               <a:r>
-                <a:rPr lang="en-US" sz="1000" b="1" dirty="0" err="1" smtClean="0">
+                <a:rPr lang="en-US" sz="1000" b="1" dirty="0" err="1">
                   <a:solidFill>
                     <a:schemeClr val="tx1"/>
                   </a:solidFill>
@@ -10685,7 +9562,7 @@
                 <a:t>ForecastIssuedOn</a:t>
               </a:r>
               <a:r>
-                <a:rPr lang="en-US" sz="1000" b="1" dirty="0" smtClean="0">
+                <a:rPr lang="en-US" sz="1000" b="1" dirty="0">
                   <a:solidFill>
                     <a:schemeClr val="tx1"/>
                   </a:solidFill>
@@ -10695,7 +9572,7 @@
                 <a:t>		</a:t>
               </a:r>
               <a:r>
-                <a:rPr lang="en-US" sz="1000" dirty="0" smtClean="0">
+                <a:rPr lang="en-US" sz="1000" dirty="0">
                   <a:solidFill>
                     <a:schemeClr val="tx1"/>
                   </a:solidFill>
@@ -10704,7 +9581,7 @@
                 </a:rPr>
                 <a:t>[datetime64, e.g. ‘2019-02-02’]</a:t>
               </a:r>
-              <a:endParaRPr lang="en-US" sz="1000" b="1" dirty="0" smtClean="0">
+              <a:endParaRPr lang="en-US" sz="1000" b="1" dirty="0">
                 <a:solidFill>
                   <a:schemeClr val="tx1"/>
                 </a:solidFill>
@@ -10714,7 +9591,7 @@
             </a:p>
             <a:p>
               <a:r>
-                <a:rPr lang="en-US" sz="1000" b="1" dirty="0" err="1" smtClean="0">
+                <a:rPr lang="en-US" sz="1000" b="1" dirty="0" err="1">
                   <a:solidFill>
                     <a:schemeClr val="tx1"/>
                   </a:solidFill>
@@ -10724,7 +9601,7 @@
                 <a:t>ForecastExceedanceKey</a:t>
               </a:r>
               <a:r>
-                <a:rPr lang="en-US" sz="1000" b="1" dirty="0" smtClean="0">
+                <a:rPr lang="en-US" sz="1000" b="1" dirty="0">
                   <a:solidFill>
                     <a:schemeClr val="tx1"/>
                   </a:solidFill>
@@ -10734,7 +9611,7 @@
                 <a:t>		</a:t>
               </a:r>
               <a:r>
-                <a:rPr lang="en-US" sz="1000" dirty="0" smtClean="0">
+                <a:rPr lang="en-US" sz="1000" dirty="0">
                   <a:solidFill>
                     <a:schemeClr val="tx1"/>
                   </a:solidFill>
@@ -10743,7 +9620,7 @@
                 </a:rPr>
                 <a:t>[list, e.g. [0.01, 0.02, …, 0.98, 0.99]</a:t>
               </a:r>
-              <a:endParaRPr lang="en-US" sz="1000" b="1" dirty="0" smtClean="0">
+              <a:endParaRPr lang="en-US" sz="1000" b="1" dirty="0">
                 <a:solidFill>
                   <a:schemeClr val="tx1"/>
                 </a:solidFill>
@@ -10753,7 +9630,7 @@
             </a:p>
             <a:p>
               <a:r>
-                <a:rPr lang="en-US" sz="1000" b="1" dirty="0" err="1" smtClean="0">
+                <a:rPr lang="en-US" sz="1000" b="1" dirty="0" err="1">
                   <a:solidFill>
                     <a:schemeClr val="tx1"/>
                   </a:solidFill>
@@ -10763,7 +9640,7 @@
                 <a:t>ForecastValues</a:t>
               </a:r>
               <a:r>
-                <a:rPr lang="en-US" sz="1000" b="1" dirty="0" smtClean="0">
+                <a:rPr lang="en-US" sz="1000" b="1" dirty="0">
                   <a:solidFill>
                     <a:schemeClr val="tx1"/>
                   </a:solidFill>
@@ -10773,7 +9650,7 @@
                 <a:t>		</a:t>
               </a:r>
               <a:r>
-                <a:rPr lang="en-US" sz="1000" dirty="0" smtClean="0">
+                <a:rPr lang="en-US" sz="1000" dirty="0">
                   <a:solidFill>
                     <a:schemeClr val="tx1"/>
                   </a:solidFill>
@@ -10782,7 +9659,7 @@
                 </a:rPr>
                 <a:t>[list, e.g. [102.3, 105.4, …, 443.2, 446.5]</a:t>
               </a:r>
-              <a:endParaRPr lang="en-US" sz="1000" b="1" dirty="0" smtClean="0">
+              <a:endParaRPr lang="en-US" sz="1000" b="1" dirty="0">
                 <a:solidFill>
                   <a:schemeClr val="tx1"/>
                 </a:solidFill>
@@ -10853,7 +9730,7 @@
             <a:p>
               <a:pPr algn="ctr"/>
               <a:r>
-                <a:rPr lang="en-US" sz="1200" dirty="0" err="1" smtClean="0">
+                <a:rPr lang="en-US" sz="1200" dirty="0" err="1">
                   <a:solidFill>
                     <a:schemeClr val="accent4">
                       <a:lumMod val="40000"/>
@@ -10866,7 +9743,7 @@
                 <a:t>self</a:t>
               </a:r>
               <a:r>
-                <a:rPr lang="en-US" sz="1200" dirty="0" err="1" smtClean="0">
+                <a:rPr lang="en-US" sz="1200" dirty="0" err="1">
                   <a:solidFill>
                     <a:schemeClr val="bg1"/>
                   </a:solidFill>
@@ -10909,7 +9786,7 @@
           <a:lstStyle/>
           <a:p>
             <a:r>
-              <a:rPr lang="en-US" dirty="0" smtClean="0"/>
+              <a:rPr lang="en-US" dirty="0"/>
               <a:t>User generates forecasts from equations</a:t>
             </a:r>
           </a:p>
